--- a/PPT/DataScience12-Pandas.pptx
+++ b/PPT/DataScience12-Pandas.pptx
@@ -5,25 +5,18 @@
     <p:sldMasterId id="2147483653" r:id="rId1"/>
   </p:sldMasterIdLst>
   <p:notesMasterIdLst>
-    <p:notesMasterId r:id="rId15"/>
+    <p:notesMasterId r:id="rId8"/>
   </p:notesMasterIdLst>
   <p:handoutMasterIdLst>
-    <p:handoutMasterId r:id="rId16"/>
+    <p:handoutMasterId r:id="rId9"/>
   </p:handoutMasterIdLst>
   <p:sldIdLst>
     <p:sldId id="264" r:id="rId2"/>
     <p:sldId id="265" r:id="rId3"/>
     <p:sldId id="266" r:id="rId4"/>
-    <p:sldId id="267" r:id="rId5"/>
-    <p:sldId id="268" r:id="rId6"/>
-    <p:sldId id="269" r:id="rId7"/>
-    <p:sldId id="270" r:id="rId8"/>
-    <p:sldId id="271" r:id="rId9"/>
-    <p:sldId id="272" r:id="rId10"/>
-    <p:sldId id="273" r:id="rId11"/>
-    <p:sldId id="274" r:id="rId12"/>
-    <p:sldId id="275" r:id="rId13"/>
-    <p:sldId id="276" r:id="rId14"/>
+    <p:sldId id="274" r:id="rId5"/>
+    <p:sldId id="275" r:id="rId6"/>
+    <p:sldId id="276" r:id="rId7"/>
   </p:sldIdLst>
   <p:sldSz cx="9144000" cy="6858000" type="screen4x3"/>
   <p:notesSz cx="6648450" cy="9782175"/>
@@ -616,35 +609,35 @@
           <a:p>
             <a:pPr lvl="0"/>
             <a:r>
-              <a:rPr lang="fr-FR" noProof="0" smtClean="0"/>
+              <a:rPr lang="fr-FR" noProof="0"/>
               <a:t>Cliquez pour modifier les styles du texte du masque</a:t>
             </a:r>
           </a:p>
           <a:p>
             <a:pPr lvl="1"/>
             <a:r>
-              <a:rPr lang="fr-FR" noProof="0" smtClean="0"/>
+              <a:rPr lang="fr-FR" noProof="0"/>
               <a:t>Deuxième niveau</a:t>
             </a:r>
           </a:p>
           <a:p>
             <a:pPr lvl="2"/>
             <a:r>
-              <a:rPr lang="fr-FR" noProof="0" smtClean="0"/>
+              <a:rPr lang="fr-FR" noProof="0"/>
               <a:t>Troisième niveau</a:t>
             </a:r>
           </a:p>
           <a:p>
             <a:pPr lvl="3"/>
             <a:r>
-              <a:rPr lang="fr-FR" noProof="0" smtClean="0"/>
+              <a:rPr lang="fr-FR" noProof="0"/>
               <a:t>Quatrième niveau</a:t>
             </a:r>
           </a:p>
           <a:p>
             <a:pPr lvl="4"/>
             <a:r>
-              <a:rPr lang="fr-FR" noProof="0" smtClean="0"/>
+              <a:rPr lang="fr-FR" noProof="0"/>
               <a:t>Cinquième niveau</a:t>
             </a:r>
           </a:p>
@@ -932,10 +925,9 @@
           <a:lstStyle/>
           <a:p>
             <a:r>
-              <a:rPr lang="fr-FR" smtClean="0"/>
+              <a:rPr lang="fr-FR"/>
               <a:t>Cliquez pour modifier le style du titre</a:t>
             </a:r>
-            <a:endParaRPr lang="fr-FR"/>
           </a:p>
         </p:txBody>
       </p:sp>
@@ -997,10 +989,9 @@
           </a:lstStyle>
           <a:p>
             <a:r>
-              <a:rPr lang="fr-FR" smtClean="0"/>
+              <a:rPr lang="fr-FR"/>
               <a:t>Cliquez pour modifier le style des sous-titres du masque</a:t>
             </a:r>
-            <a:endParaRPr lang="fr-FR"/>
           </a:p>
         </p:txBody>
       </p:sp>
@@ -1055,10 +1046,9 @@
           <a:lstStyle/>
           <a:p>
             <a:r>
-              <a:rPr lang="fr-FR" smtClean="0"/>
+              <a:rPr lang="fr-FR"/>
               <a:t>Cliquez pour modifier le style du titre</a:t>
             </a:r>
-            <a:endParaRPr lang="fr-FR"/>
           </a:p>
         </p:txBody>
       </p:sp>
@@ -1084,38 +1074,37 @@
           <a:p>
             <a:pPr lvl="0"/>
             <a:r>
-              <a:rPr lang="fr-FR" smtClean="0"/>
+              <a:rPr lang="fr-FR"/>
               <a:t>Cliquez pour modifier les styles du texte du masque</a:t>
             </a:r>
           </a:p>
           <a:p>
             <a:pPr lvl="1"/>
             <a:r>
-              <a:rPr lang="fr-FR" smtClean="0"/>
+              <a:rPr lang="fr-FR"/>
               <a:t>Deuxième niveau</a:t>
             </a:r>
           </a:p>
           <a:p>
             <a:pPr lvl="2"/>
             <a:r>
-              <a:rPr lang="fr-FR" smtClean="0"/>
+              <a:rPr lang="fr-FR"/>
               <a:t>Troisième niveau</a:t>
             </a:r>
           </a:p>
           <a:p>
             <a:pPr lvl="3"/>
             <a:r>
-              <a:rPr lang="fr-FR" smtClean="0"/>
+              <a:rPr lang="fr-FR"/>
               <a:t>Quatrième niveau</a:t>
             </a:r>
           </a:p>
           <a:p>
             <a:pPr lvl="4"/>
             <a:r>
-              <a:rPr lang="fr-FR" smtClean="0"/>
+              <a:rPr lang="fr-FR"/>
               <a:t>Cinquième niveau</a:t>
             </a:r>
-            <a:endParaRPr lang="fr-FR"/>
           </a:p>
         </p:txBody>
       </p:sp>
@@ -1174,10 +1163,9 @@
           </a:lstStyle>
           <a:p>
             <a:r>
-              <a:rPr lang="fr-FR" dirty="0" smtClean="0"/>
+              <a:rPr lang="fr-FR" dirty="0"/>
               <a:t>Cliquez pour modifier le style du titre</a:t>
             </a:r>
-            <a:endParaRPr lang="fr-FR" dirty="0"/>
           </a:p>
         </p:txBody>
       </p:sp>
@@ -1203,38 +1191,37 @@
           <a:p>
             <a:pPr lvl="0"/>
             <a:r>
-              <a:rPr lang="fr-FR" dirty="0" smtClean="0"/>
+              <a:rPr lang="fr-FR" dirty="0"/>
               <a:t>Cliquez pour modifier les styles du texte du masque</a:t>
             </a:r>
           </a:p>
           <a:p>
             <a:pPr lvl="1"/>
             <a:r>
-              <a:rPr lang="fr-FR" dirty="0" smtClean="0"/>
+              <a:rPr lang="fr-FR" dirty="0"/>
               <a:t>Deuxième niveau</a:t>
             </a:r>
           </a:p>
           <a:p>
             <a:pPr lvl="2"/>
             <a:r>
-              <a:rPr lang="fr-FR" dirty="0" smtClean="0"/>
+              <a:rPr lang="fr-FR" dirty="0"/>
               <a:t>Troisième niveau</a:t>
             </a:r>
           </a:p>
           <a:p>
             <a:pPr lvl="3"/>
             <a:r>
-              <a:rPr lang="fr-FR" dirty="0" smtClean="0"/>
+              <a:rPr lang="fr-FR" dirty="0"/>
               <a:t>Quatrième niveau</a:t>
             </a:r>
           </a:p>
           <a:p>
             <a:pPr lvl="4"/>
             <a:r>
-              <a:rPr lang="fr-FR" dirty="0" smtClean="0"/>
+              <a:rPr lang="fr-FR" dirty="0"/>
               <a:t>Cinquième niveau</a:t>
             </a:r>
-            <a:endParaRPr lang="fr-FR" dirty="0"/>
           </a:p>
         </p:txBody>
       </p:sp>
@@ -1284,10 +1271,9 @@
           <a:lstStyle/>
           <a:p>
             <a:r>
-              <a:rPr lang="fr-FR" smtClean="0"/>
+              <a:rPr lang="fr-FR"/>
               <a:t>Cliquez pour modifier le style du titre</a:t>
             </a:r>
-            <a:endParaRPr lang="fr-FR"/>
           </a:p>
         </p:txBody>
       </p:sp>
@@ -1341,38 +1327,37 @@
           <a:p>
             <a:pPr lvl="0"/>
             <a:r>
-              <a:rPr lang="fr-FR" smtClean="0"/>
+              <a:rPr lang="fr-FR"/>
               <a:t>Cliquez pour modifier les styles du texte du masque</a:t>
             </a:r>
           </a:p>
           <a:p>
             <a:pPr lvl="1"/>
             <a:r>
-              <a:rPr lang="fr-FR" smtClean="0"/>
+              <a:rPr lang="fr-FR"/>
               <a:t>Deuxième niveau</a:t>
             </a:r>
           </a:p>
           <a:p>
             <a:pPr lvl="2"/>
             <a:r>
-              <a:rPr lang="fr-FR" smtClean="0"/>
+              <a:rPr lang="fr-FR"/>
               <a:t>Troisième niveau</a:t>
             </a:r>
           </a:p>
           <a:p>
             <a:pPr lvl="3"/>
             <a:r>
-              <a:rPr lang="fr-FR" smtClean="0"/>
+              <a:rPr lang="fr-FR"/>
               <a:t>Quatrième niveau</a:t>
             </a:r>
           </a:p>
           <a:p>
             <a:pPr lvl="4"/>
             <a:r>
-              <a:rPr lang="fr-FR" smtClean="0"/>
+              <a:rPr lang="fr-FR"/>
               <a:t>Cinquième niveau</a:t>
             </a:r>
-            <a:endParaRPr lang="fr-FR"/>
           </a:p>
         </p:txBody>
       </p:sp>
@@ -1426,38 +1411,37 @@
           <a:p>
             <a:pPr lvl="0"/>
             <a:r>
-              <a:rPr lang="fr-FR" smtClean="0"/>
+              <a:rPr lang="fr-FR"/>
               <a:t>Cliquez pour modifier les styles du texte du masque</a:t>
             </a:r>
           </a:p>
           <a:p>
             <a:pPr lvl="1"/>
             <a:r>
-              <a:rPr lang="fr-FR" smtClean="0"/>
+              <a:rPr lang="fr-FR"/>
               <a:t>Deuxième niveau</a:t>
             </a:r>
           </a:p>
           <a:p>
             <a:pPr lvl="2"/>
             <a:r>
-              <a:rPr lang="fr-FR" smtClean="0"/>
+              <a:rPr lang="fr-FR"/>
               <a:t>Troisième niveau</a:t>
             </a:r>
           </a:p>
           <a:p>
             <a:pPr lvl="3"/>
             <a:r>
-              <a:rPr lang="fr-FR" smtClean="0"/>
+              <a:rPr lang="fr-FR"/>
               <a:t>Quatrième niveau</a:t>
             </a:r>
           </a:p>
           <a:p>
             <a:pPr lvl="4"/>
             <a:r>
-              <a:rPr lang="fr-FR" smtClean="0"/>
+              <a:rPr lang="fr-FR"/>
               <a:t>Cinquième niveau</a:t>
             </a:r>
-            <a:endParaRPr lang="fr-FR"/>
           </a:p>
         </p:txBody>
       </p:sp>
@@ -1516,10 +1500,9 @@
           </a:lstStyle>
           <a:p>
             <a:r>
-              <a:rPr lang="fr-FR" smtClean="0"/>
+              <a:rPr lang="fr-FR"/>
               <a:t>Cliquez pour modifier le style du titre</a:t>
             </a:r>
-            <a:endParaRPr lang="fr-FR"/>
           </a:p>
         </p:txBody>
       </p:sp>
@@ -1582,7 +1565,7 @@
           <a:p>
             <a:pPr lvl="0"/>
             <a:r>
-              <a:rPr lang="fr-FR" smtClean="0"/>
+              <a:rPr lang="fr-FR"/>
               <a:t>Cliquez pour modifier les styles du texte du masque</a:t>
             </a:r>
           </a:p>
@@ -1638,38 +1621,37 @@
           <a:p>
             <a:pPr lvl="0"/>
             <a:r>
-              <a:rPr lang="fr-FR" smtClean="0"/>
+              <a:rPr lang="fr-FR"/>
               <a:t>Cliquez pour modifier les styles du texte du masque</a:t>
             </a:r>
           </a:p>
           <a:p>
             <a:pPr lvl="1"/>
             <a:r>
-              <a:rPr lang="fr-FR" smtClean="0"/>
+              <a:rPr lang="fr-FR"/>
               <a:t>Deuxième niveau</a:t>
             </a:r>
           </a:p>
           <a:p>
             <a:pPr lvl="2"/>
             <a:r>
-              <a:rPr lang="fr-FR" smtClean="0"/>
+              <a:rPr lang="fr-FR"/>
               <a:t>Troisième niveau</a:t>
             </a:r>
           </a:p>
           <a:p>
             <a:pPr lvl="3"/>
             <a:r>
-              <a:rPr lang="fr-FR" smtClean="0"/>
+              <a:rPr lang="fr-FR"/>
               <a:t>Quatrième niveau</a:t>
             </a:r>
           </a:p>
           <a:p>
             <a:pPr lvl="4"/>
             <a:r>
-              <a:rPr lang="fr-FR" smtClean="0"/>
+              <a:rPr lang="fr-FR"/>
               <a:t>Cinquième niveau</a:t>
             </a:r>
-            <a:endParaRPr lang="fr-FR"/>
           </a:p>
         </p:txBody>
       </p:sp>
@@ -1732,7 +1714,7 @@
           <a:p>
             <a:pPr lvl="0"/>
             <a:r>
-              <a:rPr lang="fr-FR" smtClean="0"/>
+              <a:rPr lang="fr-FR"/>
               <a:t>Cliquez pour modifier les styles du texte du masque</a:t>
             </a:r>
           </a:p>
@@ -1788,38 +1770,37 @@
           <a:p>
             <a:pPr lvl="0"/>
             <a:r>
-              <a:rPr lang="fr-FR" smtClean="0"/>
+              <a:rPr lang="fr-FR"/>
               <a:t>Cliquez pour modifier les styles du texte du masque</a:t>
             </a:r>
           </a:p>
           <a:p>
             <a:pPr lvl="1"/>
             <a:r>
-              <a:rPr lang="fr-FR" smtClean="0"/>
+              <a:rPr lang="fr-FR"/>
               <a:t>Deuxième niveau</a:t>
             </a:r>
           </a:p>
           <a:p>
             <a:pPr lvl="2"/>
             <a:r>
-              <a:rPr lang="fr-FR" smtClean="0"/>
+              <a:rPr lang="fr-FR"/>
               <a:t>Troisième niveau</a:t>
             </a:r>
           </a:p>
           <a:p>
             <a:pPr lvl="3"/>
             <a:r>
-              <a:rPr lang="fr-FR" smtClean="0"/>
+              <a:rPr lang="fr-FR"/>
               <a:t>Quatrième niveau</a:t>
             </a:r>
           </a:p>
           <a:p>
             <a:pPr lvl="4"/>
             <a:r>
-              <a:rPr lang="fr-FR" smtClean="0"/>
+              <a:rPr lang="fr-FR"/>
               <a:t>Cinquième niveau</a:t>
             </a:r>
-            <a:endParaRPr lang="fr-FR"/>
           </a:p>
         </p:txBody>
       </p:sp>
@@ -1869,10 +1850,9 @@
           <a:lstStyle/>
           <a:p>
             <a:r>
-              <a:rPr lang="fr-FR" smtClean="0"/>
+              <a:rPr lang="fr-FR"/>
               <a:t>Cliquez pour modifier le style du titre</a:t>
             </a:r>
-            <a:endParaRPr lang="fr-FR"/>
           </a:p>
         </p:txBody>
       </p:sp>
@@ -1961,10 +1941,9 @@
           </a:lstStyle>
           <a:p>
             <a:r>
-              <a:rPr lang="fr-FR" smtClean="0"/>
+              <a:rPr lang="fr-FR"/>
               <a:t>Cliquez pour modifier le style du titre</a:t>
             </a:r>
-            <a:endParaRPr lang="fr-FR"/>
           </a:p>
         </p:txBody>
       </p:sp>
@@ -2018,38 +1997,37 @@
           <a:p>
             <a:pPr lvl="0"/>
             <a:r>
-              <a:rPr lang="fr-FR" smtClean="0"/>
+              <a:rPr lang="fr-FR"/>
               <a:t>Cliquez pour modifier les styles du texte du masque</a:t>
             </a:r>
           </a:p>
           <a:p>
             <a:pPr lvl="1"/>
             <a:r>
-              <a:rPr lang="fr-FR" smtClean="0"/>
+              <a:rPr lang="fr-FR"/>
               <a:t>Deuxième niveau</a:t>
             </a:r>
           </a:p>
           <a:p>
             <a:pPr lvl="2"/>
             <a:r>
-              <a:rPr lang="fr-FR" smtClean="0"/>
+              <a:rPr lang="fr-FR"/>
               <a:t>Troisième niveau</a:t>
             </a:r>
           </a:p>
           <a:p>
             <a:pPr lvl="3"/>
             <a:r>
-              <a:rPr lang="fr-FR" smtClean="0"/>
+              <a:rPr lang="fr-FR"/>
               <a:t>Quatrième niveau</a:t>
             </a:r>
           </a:p>
           <a:p>
             <a:pPr lvl="4"/>
             <a:r>
-              <a:rPr lang="fr-FR" smtClean="0"/>
+              <a:rPr lang="fr-FR"/>
               <a:t>Cinquième niveau</a:t>
             </a:r>
-            <a:endParaRPr lang="fr-FR"/>
           </a:p>
         </p:txBody>
       </p:sp>
@@ -2112,7 +2090,7 @@
           <a:p>
             <a:pPr lvl="0"/>
             <a:r>
-              <a:rPr lang="fr-FR" smtClean="0"/>
+              <a:rPr lang="fr-FR"/>
               <a:t>Cliquez pour modifier les styles du texte du masque</a:t>
             </a:r>
           </a:p>
@@ -2173,10 +2151,9 @@
           </a:lstStyle>
           <a:p>
             <a:r>
-              <a:rPr lang="fr-FR" smtClean="0"/>
+              <a:rPr lang="fr-FR"/>
               <a:t>Cliquez pour modifier le style du titre</a:t>
             </a:r>
-            <a:endParaRPr lang="fr-FR"/>
           </a:p>
         </p:txBody>
       </p:sp>
@@ -2238,7 +2215,7 @@
           </a:lstStyle>
           <a:p>
             <a:pPr lvl="0"/>
-            <a:endParaRPr lang="fr-FR" noProof="0" smtClean="0"/>
+            <a:endParaRPr lang="fr-FR" noProof="0"/>
           </a:p>
         </p:txBody>
       </p:sp>
@@ -2301,7 +2278,7 @@
           <a:p>
             <a:pPr lvl="0"/>
             <a:r>
-              <a:rPr lang="fr-FR" smtClean="0"/>
+              <a:rPr lang="fr-FR"/>
               <a:t>Cliquez pour modifier les styles du texte du masque</a:t>
             </a:r>
           </a:p>
@@ -2353,10 +2330,9 @@
           <a:lstStyle/>
           <a:p>
             <a:r>
-              <a:rPr lang="fr-FR" smtClean="0"/>
+              <a:rPr lang="fr-FR"/>
               <a:t>Cliquez pour modifier le style du titre</a:t>
             </a:r>
-            <a:endParaRPr lang="fr-FR"/>
           </a:p>
         </p:txBody>
       </p:sp>
@@ -2377,38 +2353,37 @@
           <a:p>
             <a:pPr lvl="0"/>
             <a:r>
-              <a:rPr lang="fr-FR" smtClean="0"/>
+              <a:rPr lang="fr-FR"/>
               <a:t>Cliquez pour modifier les styles du texte du masque</a:t>
             </a:r>
           </a:p>
           <a:p>
             <a:pPr lvl="1"/>
             <a:r>
-              <a:rPr lang="fr-FR" smtClean="0"/>
+              <a:rPr lang="fr-FR"/>
               <a:t>Deuxième niveau</a:t>
             </a:r>
           </a:p>
           <a:p>
             <a:pPr lvl="2"/>
             <a:r>
-              <a:rPr lang="fr-FR" smtClean="0"/>
+              <a:rPr lang="fr-FR"/>
               <a:t>Troisième niveau</a:t>
             </a:r>
           </a:p>
           <a:p>
             <a:pPr lvl="3"/>
             <a:r>
-              <a:rPr lang="fr-FR" smtClean="0"/>
+              <a:rPr lang="fr-FR"/>
               <a:t>Quatrième niveau</a:t>
             </a:r>
           </a:p>
           <a:p>
             <a:pPr lvl="4"/>
             <a:r>
-              <a:rPr lang="fr-FR" smtClean="0"/>
+              <a:rPr lang="fr-FR"/>
               <a:t>Cinquième niveau</a:t>
             </a:r>
-            <a:endParaRPr lang="fr-FR"/>
           </a:p>
         </p:txBody>
       </p:sp>
@@ -2589,7 +2564,7 @@
             <a:pPr eaLnBrk="1" hangingPunct="1">
               <a:defRPr/>
             </a:pPr>
-            <a:endParaRPr lang="fr-FR" altLang="fr-FR" smtClean="0"/>
+            <a:endParaRPr lang="fr-FR" altLang="fr-FR"/>
           </a:p>
         </p:txBody>
       </p:sp>
@@ -2743,7 +2718,7 @@
               <a:defRPr/>
             </a:pPr>
             <a:r>
-              <a:rPr lang="fr-FR" sz="1200" dirty="0" smtClean="0"/>
+              <a:rPr lang="fr-FR" sz="1200" dirty="0"/>
               <a:t>Page </a:t>
             </a:r>
             <a:fld id="{E218E9B1-FD08-4C80-902E-210BA2967D0D}" type="slidenum">
@@ -2756,7 +2731,7 @@
               </a:pPr>
               <a:t>‹N°›</a:t>
             </a:fld>
-            <a:endParaRPr lang="fr-FR" dirty="0" smtClean="0">
+            <a:endParaRPr lang="fr-FR" dirty="0">
               <a:latin typeface="Times New Roman" pitchFamily="18" charset="0"/>
             </a:endParaRPr>
           </a:p>
@@ -2912,10 +2887,10 @@
               <a:defRPr/>
             </a:pPr>
             <a:r>
-              <a:rPr lang="fr-FR" sz="1600" dirty="0" smtClean="0"/>
+              <a:rPr lang="fr-FR" sz="1600" dirty="0"/>
               <a:t>Python</a:t>
             </a:r>
-            <a:endParaRPr lang="fr-FR" dirty="0" smtClean="0">
+            <a:endParaRPr lang="fr-FR" dirty="0">
               <a:latin typeface="Times New Roman" pitchFamily="18" charset="0"/>
             </a:endParaRPr>
           </a:p>
@@ -2973,7 +2948,7 @@
           <a:p>
             <a:pPr lvl="0"/>
             <a:r>
-              <a:rPr lang="fr-FR" altLang="fr-FR" smtClean="0"/>
+              <a:rPr lang="fr-FR" altLang="fr-FR"/>
               <a:t>Cliquez pour modifier le style du titre du masque</a:t>
             </a:r>
           </a:p>
@@ -3031,35 +3006,35 @@
           <a:p>
             <a:pPr lvl="0"/>
             <a:r>
-              <a:rPr lang="fr-FR" altLang="fr-FR" smtClean="0"/>
+              <a:rPr lang="fr-FR" altLang="fr-FR"/>
               <a:t>Cliquez pour modifier les styles du texte du masque</a:t>
             </a:r>
           </a:p>
           <a:p>
             <a:pPr lvl="1"/>
             <a:r>
-              <a:rPr lang="fr-FR" altLang="fr-FR" smtClean="0"/>
+              <a:rPr lang="fr-FR" altLang="fr-FR"/>
               <a:t>Deuxième niveau</a:t>
             </a:r>
           </a:p>
           <a:p>
             <a:pPr lvl="2"/>
             <a:r>
-              <a:rPr lang="fr-FR" altLang="fr-FR" smtClean="0"/>
+              <a:rPr lang="fr-FR" altLang="fr-FR"/>
               <a:t>Troisième niveau</a:t>
             </a:r>
           </a:p>
           <a:p>
             <a:pPr lvl="3"/>
             <a:r>
-              <a:rPr lang="fr-FR" altLang="fr-FR" smtClean="0"/>
+              <a:rPr lang="fr-FR" altLang="fr-FR"/>
               <a:t>Quatrième niveau</a:t>
             </a:r>
           </a:p>
           <a:p>
             <a:pPr lvl="4"/>
             <a:r>
-              <a:rPr lang="fr-FR" altLang="fr-FR" smtClean="0"/>
+              <a:rPr lang="fr-FR" altLang="fr-FR"/>
               <a:t>Cinquième niveau</a:t>
             </a:r>
           </a:p>
@@ -3215,10 +3190,10 @@
               <a:defRPr/>
             </a:pPr>
             <a:r>
-              <a:rPr lang="fr-FR" sz="1200" smtClean="0"/>
+              <a:rPr lang="fr-FR" sz="1200"/>
               <a:t>© Cyril Vincent Conseil</a:t>
             </a:r>
-            <a:endParaRPr lang="fr-FR" smtClean="0">
+            <a:endParaRPr lang="fr-FR">
               <a:latin typeface="Times New Roman" pitchFamily="18" charset="0"/>
             </a:endParaRPr>
           </a:p>
@@ -3700,14 +3675,14 @@
           <a:p>
             <a:pPr eaLnBrk="1" hangingPunct="1"/>
             <a:r>
-              <a:rPr lang="fr-FR" altLang="fr-FR" dirty="0" smtClean="0"/>
+              <a:rPr lang="fr-FR" altLang="fr-FR" dirty="0"/>
               <a:t>Chapitre 4</a:t>
             </a:r>
           </a:p>
           <a:p>
             <a:pPr eaLnBrk="1" hangingPunct="1"/>
             <a:r>
-              <a:rPr lang="fr-FR" altLang="fr-FR" dirty="0" smtClean="0"/>
+              <a:rPr lang="fr-FR" altLang="fr-FR" dirty="0"/>
               <a:t>Pandas</a:t>
             </a:r>
           </a:p>
@@ -3760,10 +3735,9 @@
           <a:lstStyle/>
           <a:p>
             <a:r>
-              <a:rPr lang="fr-FR" sz="3600" dirty="0" smtClean="0"/>
+              <a:rPr lang="fr-FR" sz="3600" dirty="0"/>
               <a:t>Data Science</a:t>
             </a:r>
-            <a:endParaRPr lang="fr-FR" sz="3600" dirty="0"/>
           </a:p>
         </p:txBody>
       </p:sp>
@@ -3792,930 +3766,6 @@
         </p:spPr>
       </p:pic>
     </p:spTree>
-  </p:cSld>
-  <p:clrMapOvr>
-    <a:masterClrMapping/>
-  </p:clrMapOvr>
-  <p:timing>
-    <p:tnLst>
-      <p:par>
-        <p:cTn id="1" dur="indefinite" restart="never" nodeType="tmRoot"/>
-      </p:par>
-    </p:tnLst>
-  </p:timing>
-</p:sld>
-</file>
-
-<file path=ppt/slides/slide10.xml><?xml version="1.0" encoding="utf-8"?>
-<p:sld xmlns:a="http://schemas.openxmlformats.org/drawingml/2006/main" xmlns:r="http://schemas.openxmlformats.org/officeDocument/2006/relationships" xmlns:p="http://schemas.openxmlformats.org/presentationml/2006/main">
-  <p:cSld>
-    <p:spTree>
-      <p:nvGrpSpPr>
-        <p:cNvPr id="1" name=""/>
-        <p:cNvGrpSpPr/>
-        <p:nvPr/>
-      </p:nvGrpSpPr>
-      <p:grpSpPr>
-        <a:xfrm>
-          <a:off x="0" y="0"/>
-          <a:ext cx="0" cy="0"/>
-          <a:chOff x="0" y="0"/>
-          <a:chExt cx="0" cy="0"/>
-        </a:xfrm>
-      </p:grpSpPr>
-      <p:sp>
-        <p:nvSpPr>
-          <p:cNvPr id="2" name="Titre 1"/>
-          <p:cNvSpPr>
-            <a:spLocks noGrp="1"/>
-          </p:cNvSpPr>
-          <p:nvPr>
-            <p:ph type="title"/>
-          </p:nvPr>
-        </p:nvSpPr>
-        <p:spPr/>
-        <p:txBody>
-          <a:bodyPr/>
-          <a:lstStyle/>
-          <a:p>
-            <a:r>
-              <a:rPr lang="fr-FR" dirty="0" smtClean="0"/>
-              <a:t>Agrégation</a:t>
-            </a:r>
-            <a:endParaRPr lang="fr-FR" dirty="0"/>
-          </a:p>
-        </p:txBody>
-      </p:sp>
-      <p:sp>
-        <p:nvSpPr>
-          <p:cNvPr id="3" name="Espace réservé du contenu 2"/>
-          <p:cNvSpPr>
-            <a:spLocks noGrp="1"/>
-          </p:cNvSpPr>
-          <p:nvPr>
-            <p:ph idx="1"/>
-          </p:nvPr>
-        </p:nvSpPr>
-        <p:spPr/>
-        <p:txBody>
-          <a:bodyPr/>
-          <a:lstStyle/>
-          <a:p>
-            <a:r>
-              <a:rPr lang="fr-FR" dirty="0" smtClean="0"/>
-              <a:t>Comme </a:t>
-            </a:r>
-            <a:r>
-              <a:rPr lang="fr-FR" dirty="0" err="1" smtClean="0"/>
-              <a:t>Numpy</a:t>
-            </a:r>
-            <a:r>
-              <a:rPr lang="fr-FR" dirty="0" smtClean="0"/>
-              <a:t> des fonction d’agrégation sont disponibles</a:t>
-            </a:r>
-          </a:p>
-          <a:p>
-            <a:pPr lvl="1"/>
-            <a:r>
-              <a:rPr lang="fr-FR" dirty="0" err="1" smtClean="0"/>
-              <a:t>Sum</a:t>
-            </a:r>
-            <a:endParaRPr lang="fr-FR" dirty="0" smtClean="0"/>
-          </a:p>
-          <a:p>
-            <a:pPr lvl="1"/>
-            <a:r>
-              <a:rPr lang="fr-FR" dirty="0" err="1" smtClean="0"/>
-              <a:t>Mean</a:t>
-            </a:r>
-            <a:endParaRPr lang="fr-FR" dirty="0" smtClean="0"/>
-          </a:p>
-          <a:p>
-            <a:pPr lvl="1"/>
-            <a:r>
-              <a:rPr lang="fr-FR" dirty="0" smtClean="0"/>
-              <a:t>…</a:t>
-            </a:r>
-            <a:endParaRPr lang="fr-FR" dirty="0"/>
-          </a:p>
-        </p:txBody>
-      </p:sp>
-    </p:spTree>
-    <p:extLst>
-      <p:ext uri="{BB962C8B-B14F-4D97-AF65-F5344CB8AC3E}">
-        <p14:creationId xmlns:p14="http://schemas.microsoft.com/office/powerpoint/2010/main" val="2827262545"/>
-      </p:ext>
-    </p:extLst>
-  </p:cSld>
-  <p:clrMapOvr>
-    <a:masterClrMapping/>
-  </p:clrMapOvr>
-</p:sld>
-</file>
-
-<file path=ppt/slides/slide11.xml><?xml version="1.0" encoding="utf-8"?>
-<p:sld xmlns:a="http://schemas.openxmlformats.org/drawingml/2006/main" xmlns:r="http://schemas.openxmlformats.org/officeDocument/2006/relationships" xmlns:p="http://schemas.openxmlformats.org/presentationml/2006/main">
-  <p:cSld>
-    <p:spTree>
-      <p:nvGrpSpPr>
-        <p:cNvPr id="1" name=""/>
-        <p:cNvGrpSpPr/>
-        <p:nvPr/>
-      </p:nvGrpSpPr>
-      <p:grpSpPr>
-        <a:xfrm>
-          <a:off x="0" y="0"/>
-          <a:ext cx="0" cy="0"/>
-          <a:chOff x="0" y="0"/>
-          <a:chExt cx="0" cy="0"/>
-        </a:xfrm>
-      </p:grpSpPr>
-      <p:sp>
-        <p:nvSpPr>
-          <p:cNvPr id="2" name="Titre 1"/>
-          <p:cNvSpPr>
-            <a:spLocks noGrp="1"/>
-          </p:cNvSpPr>
-          <p:nvPr>
-            <p:ph type="title"/>
-          </p:nvPr>
-        </p:nvSpPr>
-        <p:spPr/>
-        <p:txBody>
-          <a:bodyPr/>
-          <a:lstStyle/>
-          <a:p>
-            <a:r>
-              <a:rPr lang="fr-FR" dirty="0" smtClean="0"/>
-              <a:t>Import de données</a:t>
-            </a:r>
-            <a:endParaRPr lang="fr-FR" dirty="0"/>
-          </a:p>
-        </p:txBody>
-      </p:sp>
-      <p:sp>
-        <p:nvSpPr>
-          <p:cNvPr id="3" name="Espace réservé du contenu 2"/>
-          <p:cNvSpPr>
-            <a:spLocks noGrp="1"/>
-          </p:cNvSpPr>
-          <p:nvPr>
-            <p:ph idx="1"/>
-          </p:nvPr>
-        </p:nvSpPr>
-        <p:spPr/>
-        <p:txBody>
-          <a:bodyPr/>
-          <a:lstStyle/>
-          <a:p>
-            <a:r>
-              <a:rPr lang="fr-FR" dirty="0" smtClean="0"/>
-              <a:t>Pandas possède une librairie très puissante pour importer des données depuis n’importe quelle source</a:t>
-            </a:r>
-          </a:p>
-          <a:p>
-            <a:pPr lvl="1"/>
-            <a:r>
-              <a:rPr lang="fr-FR" dirty="0" smtClean="0"/>
-              <a:t>Puis les converti en </a:t>
-            </a:r>
-            <a:r>
-              <a:rPr lang="fr-FR" dirty="0" err="1" smtClean="0"/>
-              <a:t>DataFrame</a:t>
-            </a:r>
-            <a:endParaRPr lang="fr-FR" dirty="0" smtClean="0"/>
-          </a:p>
-          <a:p>
-            <a:r>
-              <a:rPr lang="fr-FR" dirty="0" smtClean="0"/>
-              <a:t>CSV</a:t>
-            </a:r>
-          </a:p>
-          <a:p>
-            <a:pPr marL="457200" lvl="1" indent="0">
-              <a:buNone/>
-            </a:pPr>
-            <a:r>
-              <a:rPr lang="fr-FR" sz="2000" dirty="0" err="1">
-                <a:latin typeface="Courier New" panose="02070309020205020404" pitchFamily="49" charset="0"/>
-                <a:cs typeface="Courier New" panose="02070309020205020404" pitchFamily="49" charset="0"/>
-              </a:rPr>
-              <a:t>house_data</a:t>
-            </a:r>
-            <a:r>
-              <a:rPr lang="fr-FR" sz="2000" dirty="0">
-                <a:latin typeface="Courier New" panose="02070309020205020404" pitchFamily="49" charset="0"/>
-                <a:cs typeface="Courier New" panose="02070309020205020404" pitchFamily="49" charset="0"/>
-              </a:rPr>
-              <a:t> = </a:t>
-            </a:r>
-            <a:r>
-              <a:rPr lang="fr-FR" sz="2000" dirty="0" err="1">
-                <a:latin typeface="Courier New" panose="02070309020205020404" pitchFamily="49" charset="0"/>
-                <a:cs typeface="Courier New" panose="02070309020205020404" pitchFamily="49" charset="0"/>
-              </a:rPr>
-              <a:t>pd.read_csv</a:t>
-            </a:r>
-            <a:r>
-              <a:rPr lang="fr-FR" sz="2000" dirty="0">
-                <a:latin typeface="Courier New" panose="02070309020205020404" pitchFamily="49" charset="0"/>
-                <a:cs typeface="Courier New" panose="02070309020205020404" pitchFamily="49" charset="0"/>
-              </a:rPr>
-              <a:t>('house.csv')</a:t>
-            </a:r>
-          </a:p>
-          <a:p>
-            <a:pPr marL="457200" lvl="1" indent="0">
-              <a:buNone/>
-            </a:pPr>
-            <a:r>
-              <a:rPr lang="fr-FR" sz="2000" dirty="0" err="1" smtClean="0">
-                <a:latin typeface="Courier New" panose="02070309020205020404" pitchFamily="49" charset="0"/>
-                <a:cs typeface="Courier New" panose="02070309020205020404" pitchFamily="49" charset="0"/>
-              </a:rPr>
-              <a:t>plt.plot</a:t>
-            </a:r>
-            <a:r>
-              <a:rPr lang="fr-FR" sz="2000" dirty="0" smtClean="0">
-                <a:latin typeface="Courier New" panose="02070309020205020404" pitchFamily="49" charset="0"/>
-                <a:cs typeface="Courier New" panose="02070309020205020404" pitchFamily="49" charset="0"/>
-              </a:rPr>
-              <a:t>(</a:t>
-            </a:r>
-            <a:r>
-              <a:rPr lang="fr-FR" sz="2000" dirty="0" err="1" smtClean="0">
-                <a:latin typeface="Courier New" panose="02070309020205020404" pitchFamily="49" charset="0"/>
-                <a:cs typeface="Courier New" panose="02070309020205020404" pitchFamily="49" charset="0"/>
-              </a:rPr>
-              <a:t>house_data</a:t>
-            </a:r>
-            <a:r>
-              <a:rPr lang="fr-FR" sz="2000" dirty="0">
-                <a:latin typeface="Courier New" panose="02070309020205020404" pitchFamily="49" charset="0"/>
-                <a:cs typeface="Courier New" panose="02070309020205020404" pitchFamily="49" charset="0"/>
-              </a:rPr>
-              <a:t>['surface'], </a:t>
-            </a:r>
-            <a:r>
-              <a:rPr lang="fr-FR" sz="2000" dirty="0" err="1">
-                <a:latin typeface="Courier New" panose="02070309020205020404" pitchFamily="49" charset="0"/>
-                <a:cs typeface="Courier New" panose="02070309020205020404" pitchFamily="49" charset="0"/>
-              </a:rPr>
-              <a:t>house_data</a:t>
-            </a:r>
-            <a:r>
-              <a:rPr lang="fr-FR" sz="2000" dirty="0">
-                <a:latin typeface="Courier New" panose="02070309020205020404" pitchFamily="49" charset="0"/>
-                <a:cs typeface="Courier New" panose="02070309020205020404" pitchFamily="49" charset="0"/>
-              </a:rPr>
-              <a:t>['loyer'], '</a:t>
-            </a:r>
-            <a:r>
-              <a:rPr lang="fr-FR" sz="2000" dirty="0" err="1">
-                <a:latin typeface="Courier New" panose="02070309020205020404" pitchFamily="49" charset="0"/>
-                <a:cs typeface="Courier New" panose="02070309020205020404" pitchFamily="49" charset="0"/>
-              </a:rPr>
-              <a:t>ro</a:t>
-            </a:r>
-            <a:r>
-              <a:rPr lang="fr-FR" sz="2000" dirty="0">
-                <a:latin typeface="Courier New" panose="02070309020205020404" pitchFamily="49" charset="0"/>
-                <a:cs typeface="Courier New" panose="02070309020205020404" pitchFamily="49" charset="0"/>
-              </a:rPr>
-              <a:t>', </a:t>
-            </a:r>
-            <a:r>
-              <a:rPr lang="fr-FR" sz="2000" dirty="0" err="1">
-                <a:latin typeface="Courier New" panose="02070309020205020404" pitchFamily="49" charset="0"/>
-                <a:cs typeface="Courier New" panose="02070309020205020404" pitchFamily="49" charset="0"/>
-              </a:rPr>
-              <a:t>markersize</a:t>
-            </a:r>
-            <a:r>
-              <a:rPr lang="fr-FR" sz="2000" dirty="0">
-                <a:latin typeface="Courier New" panose="02070309020205020404" pitchFamily="49" charset="0"/>
-                <a:cs typeface="Courier New" panose="02070309020205020404" pitchFamily="49" charset="0"/>
-              </a:rPr>
-              <a:t>=4)</a:t>
-            </a:r>
-          </a:p>
-          <a:p>
-            <a:pPr marL="457200" lvl="1" indent="0">
-              <a:buNone/>
-            </a:pPr>
-            <a:r>
-              <a:rPr lang="fr-FR" sz="2000" dirty="0" err="1">
-                <a:latin typeface="Courier New" panose="02070309020205020404" pitchFamily="49" charset="0"/>
-                <a:cs typeface="Courier New" panose="02070309020205020404" pitchFamily="49" charset="0"/>
-              </a:rPr>
-              <a:t>plt.show</a:t>
-            </a:r>
-            <a:r>
-              <a:rPr lang="fr-FR" sz="2000" dirty="0">
-                <a:latin typeface="Courier New" panose="02070309020205020404" pitchFamily="49" charset="0"/>
-                <a:cs typeface="Courier New" panose="02070309020205020404" pitchFamily="49" charset="0"/>
-              </a:rPr>
-              <a:t>()</a:t>
-            </a:r>
-            <a:endParaRPr lang="fr-FR" sz="2000" dirty="0" smtClean="0">
-              <a:latin typeface="Courier New" panose="02070309020205020404" pitchFamily="49" charset="0"/>
-              <a:cs typeface="Courier New" panose="02070309020205020404" pitchFamily="49" charset="0"/>
-            </a:endParaRPr>
-          </a:p>
-          <a:p>
-            <a:pPr lvl="1"/>
-            <a:endParaRPr lang="fr-FR" dirty="0"/>
-          </a:p>
-        </p:txBody>
-      </p:sp>
-    </p:spTree>
-    <p:extLst>
-      <p:ext uri="{BB962C8B-B14F-4D97-AF65-F5344CB8AC3E}">
-        <p14:creationId xmlns:p14="http://schemas.microsoft.com/office/powerpoint/2010/main" val="3356451382"/>
-      </p:ext>
-    </p:extLst>
-  </p:cSld>
-  <p:clrMapOvr>
-    <a:masterClrMapping/>
-  </p:clrMapOvr>
-</p:sld>
-</file>
-
-<file path=ppt/slides/slide12.xml><?xml version="1.0" encoding="utf-8"?>
-<p:sld xmlns:a="http://schemas.openxmlformats.org/drawingml/2006/main" xmlns:r="http://schemas.openxmlformats.org/officeDocument/2006/relationships" xmlns:p="http://schemas.openxmlformats.org/presentationml/2006/main">
-  <p:cSld>
-    <p:spTree>
-      <p:nvGrpSpPr>
-        <p:cNvPr id="1" name=""/>
-        <p:cNvGrpSpPr/>
-        <p:nvPr/>
-      </p:nvGrpSpPr>
-      <p:grpSpPr>
-        <a:xfrm>
-          <a:off x="0" y="0"/>
-          <a:ext cx="0" cy="0"/>
-          <a:chOff x="0" y="0"/>
-          <a:chExt cx="0" cy="0"/>
-        </a:xfrm>
-      </p:grpSpPr>
-      <p:sp>
-        <p:nvSpPr>
-          <p:cNvPr id="2" name="Titre 1"/>
-          <p:cNvSpPr>
-            <a:spLocks noGrp="1"/>
-          </p:cNvSpPr>
-          <p:nvPr>
-            <p:ph type="title"/>
-          </p:nvPr>
-        </p:nvSpPr>
-        <p:spPr/>
-        <p:txBody>
-          <a:bodyPr/>
-          <a:lstStyle/>
-          <a:p>
-            <a:r>
-              <a:rPr lang="fr-FR" dirty="0" smtClean="0"/>
-              <a:t>Import de données</a:t>
-            </a:r>
-            <a:endParaRPr lang="fr-FR" dirty="0"/>
-          </a:p>
-        </p:txBody>
-      </p:sp>
-      <p:sp>
-        <p:nvSpPr>
-          <p:cNvPr id="3" name="Espace réservé du contenu 2"/>
-          <p:cNvSpPr>
-            <a:spLocks noGrp="1"/>
-          </p:cNvSpPr>
-          <p:nvPr>
-            <p:ph idx="1"/>
-          </p:nvPr>
-        </p:nvSpPr>
-        <p:spPr/>
-        <p:txBody>
-          <a:bodyPr/>
-          <a:lstStyle/>
-          <a:p>
-            <a:r>
-              <a:rPr lang="fr-FR" dirty="0" smtClean="0"/>
-              <a:t>SQL</a:t>
-            </a:r>
-          </a:p>
-          <a:p>
-            <a:pPr marL="457200" lvl="1" indent="0">
-              <a:buNone/>
-            </a:pPr>
-            <a:r>
-              <a:rPr lang="en-US" sz="2000" dirty="0">
-                <a:latin typeface="Courier New" panose="02070309020205020404" pitchFamily="49" charset="0"/>
-                <a:cs typeface="Courier New" panose="02070309020205020404" pitchFamily="49" charset="0"/>
-              </a:rPr>
-              <a:t>with sqlite3.connect("house.db3") as conn:</a:t>
-            </a:r>
-          </a:p>
-          <a:p>
-            <a:pPr marL="457200" lvl="1" indent="0">
-              <a:buNone/>
-            </a:pPr>
-            <a:r>
-              <a:rPr lang="en-US" sz="2000" dirty="0">
-                <a:latin typeface="Courier New" panose="02070309020205020404" pitchFamily="49" charset="0"/>
-                <a:cs typeface="Courier New" panose="02070309020205020404" pitchFamily="49" charset="0"/>
-              </a:rPr>
-              <a:t>    </a:t>
-            </a:r>
-            <a:r>
-              <a:rPr lang="en-US" sz="2000" dirty="0" err="1">
-                <a:latin typeface="Courier New" panose="02070309020205020404" pitchFamily="49" charset="0"/>
-                <a:cs typeface="Courier New" panose="02070309020205020404" pitchFamily="49" charset="0"/>
-              </a:rPr>
-              <a:t>house_data</a:t>
-            </a:r>
-            <a:r>
-              <a:rPr lang="en-US" sz="2000" dirty="0">
-                <a:latin typeface="Courier New" panose="02070309020205020404" pitchFamily="49" charset="0"/>
-                <a:cs typeface="Courier New" panose="02070309020205020404" pitchFamily="49" charset="0"/>
-              </a:rPr>
-              <a:t> = </a:t>
-            </a:r>
-            <a:r>
-              <a:rPr lang="en-US" sz="2000" dirty="0" err="1">
-                <a:latin typeface="Courier New" panose="02070309020205020404" pitchFamily="49" charset="0"/>
-                <a:cs typeface="Courier New" panose="02070309020205020404" pitchFamily="49" charset="0"/>
-              </a:rPr>
-              <a:t>pd.read_sql</a:t>
-            </a:r>
-            <a:r>
-              <a:rPr lang="en-US" sz="2000" dirty="0">
-                <a:latin typeface="Courier New" panose="02070309020205020404" pitchFamily="49" charset="0"/>
-                <a:cs typeface="Courier New" panose="02070309020205020404" pitchFamily="49" charset="0"/>
-              </a:rPr>
-              <a:t>('select </a:t>
-            </a:r>
-            <a:r>
-              <a:rPr lang="en-US" sz="2000" dirty="0" err="1">
-                <a:latin typeface="Courier New" panose="02070309020205020404" pitchFamily="49" charset="0"/>
-                <a:cs typeface="Courier New" panose="02070309020205020404" pitchFamily="49" charset="0"/>
-              </a:rPr>
-              <a:t>loyer,surface</a:t>
-            </a:r>
-            <a:r>
-              <a:rPr lang="en-US" sz="2000" dirty="0">
-                <a:latin typeface="Courier New" panose="02070309020205020404" pitchFamily="49" charset="0"/>
-                <a:cs typeface="Courier New" panose="02070309020205020404" pitchFamily="49" charset="0"/>
-              </a:rPr>
-              <a:t> from house', conn</a:t>
-            </a:r>
-            <a:r>
-              <a:rPr lang="en-US" sz="2000" dirty="0" smtClean="0">
-                <a:latin typeface="Courier New" panose="02070309020205020404" pitchFamily="49" charset="0"/>
-                <a:cs typeface="Courier New" panose="02070309020205020404" pitchFamily="49" charset="0"/>
-              </a:rPr>
-              <a:t>)</a:t>
-            </a:r>
-          </a:p>
-          <a:p>
-            <a:r>
-              <a:rPr lang="fr-FR" dirty="0" smtClean="0"/>
-              <a:t>Mongo DB</a:t>
-            </a:r>
-          </a:p>
-          <a:p>
-            <a:pPr marL="457200" lvl="1" indent="0">
-              <a:buNone/>
-            </a:pPr>
-            <a:r>
-              <a:rPr lang="fr-FR" sz="2000" dirty="0" err="1">
-                <a:latin typeface="Courier New" panose="02070309020205020404" pitchFamily="49" charset="0"/>
-                <a:cs typeface="Courier New" panose="02070309020205020404" pitchFamily="49" charset="0"/>
-              </a:rPr>
-              <a:t>with</a:t>
-            </a:r>
-            <a:r>
-              <a:rPr lang="fr-FR" sz="2000" dirty="0">
-                <a:latin typeface="Courier New" panose="02070309020205020404" pitchFamily="49" charset="0"/>
-                <a:cs typeface="Courier New" panose="02070309020205020404" pitchFamily="49" charset="0"/>
-              </a:rPr>
-              <a:t> </a:t>
-            </a:r>
-            <a:r>
-              <a:rPr lang="fr-FR" sz="2000" dirty="0" err="1">
-                <a:latin typeface="Courier New" panose="02070309020205020404" pitchFamily="49" charset="0"/>
-                <a:cs typeface="Courier New" panose="02070309020205020404" pitchFamily="49" charset="0"/>
-              </a:rPr>
-              <a:t>pymongo.MongoClient</a:t>
-            </a:r>
-            <a:r>
-              <a:rPr lang="fr-FR" sz="2000" dirty="0">
-                <a:latin typeface="Courier New" panose="02070309020205020404" pitchFamily="49" charset="0"/>
-                <a:cs typeface="Courier New" panose="02070309020205020404" pitchFamily="49" charset="0"/>
-              </a:rPr>
-              <a:t>('</a:t>
-            </a:r>
-            <a:r>
-              <a:rPr lang="fr-FR" sz="2000" dirty="0" err="1">
-                <a:latin typeface="Courier New" panose="02070309020205020404" pitchFamily="49" charset="0"/>
-                <a:cs typeface="Courier New" panose="02070309020205020404" pitchFamily="49" charset="0"/>
-              </a:rPr>
-              <a:t>localhost</a:t>
-            </a:r>
-            <a:r>
-              <a:rPr lang="fr-FR" sz="2000" dirty="0">
-                <a:latin typeface="Courier New" panose="02070309020205020404" pitchFamily="49" charset="0"/>
-                <a:cs typeface="Courier New" panose="02070309020205020404" pitchFamily="49" charset="0"/>
-              </a:rPr>
-              <a:t>', 27017) as client:</a:t>
-            </a:r>
-          </a:p>
-          <a:p>
-            <a:pPr marL="457200" lvl="1" indent="0">
-              <a:buNone/>
-            </a:pPr>
-            <a:r>
-              <a:rPr lang="fr-FR" sz="2000" dirty="0">
-                <a:latin typeface="Courier New" panose="02070309020205020404" pitchFamily="49" charset="0"/>
-                <a:cs typeface="Courier New" panose="02070309020205020404" pitchFamily="49" charset="0"/>
-              </a:rPr>
-              <a:t>    </a:t>
-            </a:r>
-            <a:r>
-              <a:rPr lang="fr-FR" sz="2000" dirty="0" err="1">
-                <a:latin typeface="Courier New" panose="02070309020205020404" pitchFamily="49" charset="0"/>
-                <a:cs typeface="Courier New" panose="02070309020205020404" pitchFamily="49" charset="0"/>
-              </a:rPr>
-              <a:t>db</a:t>
-            </a:r>
-            <a:r>
-              <a:rPr lang="fr-FR" sz="2000" dirty="0">
-                <a:latin typeface="Courier New" panose="02070309020205020404" pitchFamily="49" charset="0"/>
-                <a:cs typeface="Courier New" panose="02070309020205020404" pitchFamily="49" charset="0"/>
-              </a:rPr>
-              <a:t> = </a:t>
-            </a:r>
-            <a:r>
-              <a:rPr lang="fr-FR" sz="2000" dirty="0" err="1">
-                <a:latin typeface="Courier New" panose="02070309020205020404" pitchFamily="49" charset="0"/>
-                <a:cs typeface="Courier New" panose="02070309020205020404" pitchFamily="49" charset="0"/>
-              </a:rPr>
-              <a:t>client.test</a:t>
-            </a:r>
-            <a:endParaRPr lang="fr-FR" sz="2000" dirty="0">
-              <a:latin typeface="Courier New" panose="02070309020205020404" pitchFamily="49" charset="0"/>
-              <a:cs typeface="Courier New" panose="02070309020205020404" pitchFamily="49" charset="0"/>
-            </a:endParaRPr>
-          </a:p>
-          <a:p>
-            <a:pPr marL="457200" lvl="1" indent="0">
-              <a:buNone/>
-            </a:pPr>
-            <a:r>
-              <a:rPr lang="fr-FR" sz="2000" dirty="0">
-                <a:latin typeface="Courier New" panose="02070309020205020404" pitchFamily="49" charset="0"/>
-                <a:cs typeface="Courier New" panose="02070309020205020404" pitchFamily="49" charset="0"/>
-              </a:rPr>
-              <a:t>    </a:t>
-            </a:r>
-            <a:r>
-              <a:rPr lang="fr-FR" sz="2000" dirty="0" err="1">
-                <a:latin typeface="Courier New" panose="02070309020205020404" pitchFamily="49" charset="0"/>
-                <a:cs typeface="Courier New" panose="02070309020205020404" pitchFamily="49" charset="0"/>
-              </a:rPr>
-              <a:t>cursor</a:t>
-            </a:r>
-            <a:r>
-              <a:rPr lang="fr-FR" sz="2000" dirty="0">
-                <a:latin typeface="Courier New" panose="02070309020205020404" pitchFamily="49" charset="0"/>
-                <a:cs typeface="Courier New" panose="02070309020205020404" pitchFamily="49" charset="0"/>
-              </a:rPr>
-              <a:t> = </a:t>
-            </a:r>
-            <a:r>
-              <a:rPr lang="fr-FR" sz="2000" dirty="0" err="1">
-                <a:latin typeface="Courier New" panose="02070309020205020404" pitchFamily="49" charset="0"/>
-                <a:cs typeface="Courier New" panose="02070309020205020404" pitchFamily="49" charset="0"/>
-              </a:rPr>
-              <a:t>db.house.find</a:t>
-            </a:r>
-            <a:r>
-              <a:rPr lang="fr-FR" sz="2000" dirty="0">
-                <a:latin typeface="Courier New" panose="02070309020205020404" pitchFamily="49" charset="0"/>
-                <a:cs typeface="Courier New" panose="02070309020205020404" pitchFamily="49" charset="0"/>
-              </a:rPr>
-              <a:t>()</a:t>
-            </a:r>
-          </a:p>
-          <a:p>
-            <a:pPr marL="457200" lvl="1" indent="0">
-              <a:buNone/>
-            </a:pPr>
-            <a:r>
-              <a:rPr lang="fr-FR" sz="2000" dirty="0">
-                <a:latin typeface="Courier New" panose="02070309020205020404" pitchFamily="49" charset="0"/>
-                <a:cs typeface="Courier New" panose="02070309020205020404" pitchFamily="49" charset="0"/>
-              </a:rPr>
-              <a:t>    </a:t>
-            </a:r>
-            <a:r>
-              <a:rPr lang="fr-FR" sz="2000" dirty="0" err="1">
-                <a:latin typeface="Courier New" panose="02070309020205020404" pitchFamily="49" charset="0"/>
-                <a:cs typeface="Courier New" panose="02070309020205020404" pitchFamily="49" charset="0"/>
-              </a:rPr>
-              <a:t>house_data</a:t>
-            </a:r>
-            <a:r>
-              <a:rPr lang="fr-FR" sz="2000" dirty="0">
-                <a:latin typeface="Courier New" panose="02070309020205020404" pitchFamily="49" charset="0"/>
-                <a:cs typeface="Courier New" panose="02070309020205020404" pitchFamily="49" charset="0"/>
-              </a:rPr>
-              <a:t> = </a:t>
-            </a:r>
-            <a:r>
-              <a:rPr lang="fr-FR" sz="2000" dirty="0" err="1">
-                <a:latin typeface="Courier New" panose="02070309020205020404" pitchFamily="49" charset="0"/>
-                <a:cs typeface="Courier New" panose="02070309020205020404" pitchFamily="49" charset="0"/>
-              </a:rPr>
-              <a:t>pd.DataFrame</a:t>
-            </a:r>
-            <a:r>
-              <a:rPr lang="fr-FR" sz="2000" dirty="0">
-                <a:latin typeface="Courier New" panose="02070309020205020404" pitchFamily="49" charset="0"/>
-                <a:cs typeface="Courier New" panose="02070309020205020404" pitchFamily="49" charset="0"/>
-              </a:rPr>
-              <a:t>(</a:t>
-            </a:r>
-            <a:r>
-              <a:rPr lang="fr-FR" sz="2000" dirty="0" err="1">
-                <a:latin typeface="Courier New" panose="02070309020205020404" pitchFamily="49" charset="0"/>
-                <a:cs typeface="Courier New" panose="02070309020205020404" pitchFamily="49" charset="0"/>
-              </a:rPr>
-              <a:t>list</a:t>
-            </a:r>
-            <a:r>
-              <a:rPr lang="fr-FR" sz="2000" dirty="0">
-                <a:latin typeface="Courier New" panose="02070309020205020404" pitchFamily="49" charset="0"/>
-                <a:cs typeface="Courier New" panose="02070309020205020404" pitchFamily="49" charset="0"/>
-              </a:rPr>
-              <a:t>(</a:t>
-            </a:r>
-            <a:r>
-              <a:rPr lang="fr-FR" sz="2000" dirty="0" err="1">
-                <a:latin typeface="Courier New" panose="02070309020205020404" pitchFamily="49" charset="0"/>
-                <a:cs typeface="Courier New" panose="02070309020205020404" pitchFamily="49" charset="0"/>
-              </a:rPr>
-              <a:t>cursor</a:t>
-            </a:r>
-            <a:r>
-              <a:rPr lang="fr-FR" sz="2000" dirty="0">
-                <a:latin typeface="Courier New" panose="02070309020205020404" pitchFamily="49" charset="0"/>
-                <a:cs typeface="Courier New" panose="02070309020205020404" pitchFamily="49" charset="0"/>
-              </a:rPr>
-              <a:t>))</a:t>
-            </a:r>
-          </a:p>
-          <a:p>
-            <a:pPr marL="457200" lvl="1" indent="0">
-              <a:buNone/>
-            </a:pPr>
-            <a:endParaRPr lang="en-US" sz="2000" dirty="0" smtClean="0">
-              <a:latin typeface="Courier New" panose="02070309020205020404" pitchFamily="49" charset="0"/>
-              <a:cs typeface="Courier New" panose="02070309020205020404" pitchFamily="49" charset="0"/>
-            </a:endParaRPr>
-          </a:p>
-        </p:txBody>
-      </p:sp>
-    </p:spTree>
-    <p:extLst>
-      <p:ext uri="{BB962C8B-B14F-4D97-AF65-F5344CB8AC3E}">
-        <p14:creationId xmlns:p14="http://schemas.microsoft.com/office/powerpoint/2010/main" val="1488125564"/>
-      </p:ext>
-    </p:extLst>
-  </p:cSld>
-  <p:clrMapOvr>
-    <a:masterClrMapping/>
-  </p:clrMapOvr>
-</p:sld>
-</file>
-
-<file path=ppt/slides/slide13.xml><?xml version="1.0" encoding="utf-8"?>
-<p:sld xmlns:a="http://schemas.openxmlformats.org/drawingml/2006/main" xmlns:r="http://schemas.openxmlformats.org/officeDocument/2006/relationships" xmlns:p="http://schemas.openxmlformats.org/presentationml/2006/main">
-  <p:cSld>
-    <p:spTree>
-      <p:nvGrpSpPr>
-        <p:cNvPr id="1" name=""/>
-        <p:cNvGrpSpPr/>
-        <p:nvPr/>
-      </p:nvGrpSpPr>
-      <p:grpSpPr>
-        <a:xfrm>
-          <a:off x="0" y="0"/>
-          <a:ext cx="0" cy="0"/>
-          <a:chOff x="0" y="0"/>
-          <a:chExt cx="0" cy="0"/>
-        </a:xfrm>
-      </p:grpSpPr>
-      <p:sp>
-        <p:nvSpPr>
-          <p:cNvPr id="2" name="Titre 1"/>
-          <p:cNvSpPr>
-            <a:spLocks noGrp="1"/>
-          </p:cNvSpPr>
-          <p:nvPr>
-            <p:ph type="title"/>
-          </p:nvPr>
-        </p:nvSpPr>
-        <p:spPr/>
-        <p:txBody>
-          <a:bodyPr/>
-          <a:lstStyle/>
-          <a:p>
-            <a:r>
-              <a:rPr lang="fr-FR" dirty="0" smtClean="0"/>
-              <a:t>Filtrage</a:t>
-            </a:r>
-            <a:endParaRPr lang="fr-FR" dirty="0"/>
-          </a:p>
-        </p:txBody>
-      </p:sp>
-      <p:sp>
-        <p:nvSpPr>
-          <p:cNvPr id="3" name="Espace réservé du contenu 2"/>
-          <p:cNvSpPr>
-            <a:spLocks noGrp="1"/>
-          </p:cNvSpPr>
-          <p:nvPr>
-            <p:ph idx="1"/>
-          </p:nvPr>
-        </p:nvSpPr>
-        <p:spPr/>
-        <p:txBody>
-          <a:bodyPr/>
-          <a:lstStyle/>
-          <a:p>
-            <a:r>
-              <a:rPr lang="fr-FR" dirty="0" smtClean="0"/>
-              <a:t>Filtrage du </a:t>
-            </a:r>
-            <a:r>
-              <a:rPr lang="fr-FR" dirty="0" err="1" smtClean="0"/>
-              <a:t>DataFrame</a:t>
-            </a:r>
-            <a:endParaRPr lang="fr-FR" dirty="0" smtClean="0"/>
-          </a:p>
-          <a:p>
-            <a:pPr lvl="1"/>
-            <a:r>
-              <a:rPr lang="fr-FR" dirty="0" err="1" smtClean="0"/>
-              <a:t>Dataframe</a:t>
-            </a:r>
-            <a:r>
-              <a:rPr lang="fr-FR" dirty="0" smtClean="0"/>
-              <a:t> = </a:t>
-            </a:r>
-            <a:r>
-              <a:rPr lang="fr-FR" dirty="0" err="1" smtClean="0"/>
-              <a:t>dataframe</a:t>
-            </a:r>
-            <a:r>
-              <a:rPr lang="fr-FR" dirty="0" smtClean="0"/>
-              <a:t>[</a:t>
-            </a:r>
-            <a:r>
-              <a:rPr lang="fr-FR" dirty="0" err="1" smtClean="0"/>
-              <a:t>dataframe.surface</a:t>
-            </a:r>
-            <a:r>
-              <a:rPr lang="fr-FR" dirty="0" smtClean="0"/>
-              <a:t> &lt; 200]</a:t>
-            </a:r>
-            <a:endParaRPr lang="fr-FR" dirty="0"/>
-          </a:p>
-          <a:p>
-            <a:r>
-              <a:rPr lang="fr-FR" dirty="0" smtClean="0"/>
-              <a:t>Enlever une dimension</a:t>
-            </a:r>
-          </a:p>
-          <a:p>
-            <a:pPr lvl="1"/>
-            <a:r>
-              <a:rPr lang="fr-FR" dirty="0" err="1" smtClean="0"/>
-              <a:t>Dataframe.drop</a:t>
-            </a:r>
-            <a:r>
-              <a:rPr lang="fr-FR" dirty="0" smtClean="0"/>
-              <a:t>(‘Colonne’,1)</a:t>
-            </a:r>
-          </a:p>
-          <a:p>
-            <a:r>
-              <a:rPr lang="fr-FR" dirty="0" smtClean="0"/>
-              <a:t>Remplacer les champs nuls</a:t>
-            </a:r>
-          </a:p>
-          <a:p>
-            <a:pPr lvl="1"/>
-            <a:r>
-              <a:rPr lang="fr-FR" dirty="0" err="1" smtClean="0"/>
-              <a:t>dataframe.codePostal</a:t>
-            </a:r>
-            <a:r>
-              <a:rPr lang="fr-FR" dirty="0" smtClean="0"/>
-              <a:t> </a:t>
-            </a:r>
-            <a:r>
-              <a:rPr lang="fr-FR" dirty="0"/>
-              <a:t>= </a:t>
-            </a:r>
-            <a:r>
-              <a:rPr lang="fr-FR" dirty="0" err="1" smtClean="0"/>
-              <a:t>dataframe.codePostal.fillna</a:t>
-            </a:r>
-            <a:r>
-              <a:rPr lang="fr-FR" dirty="0"/>
-              <a:t>('38000</a:t>
-            </a:r>
-            <a:r>
-              <a:rPr lang="fr-FR" dirty="0" smtClean="0"/>
-              <a:t>')</a:t>
-            </a:r>
-          </a:p>
-          <a:p>
-            <a:r>
-              <a:rPr lang="fr-FR" dirty="0" smtClean="0"/>
-              <a:t>Changement de valeurs</a:t>
-            </a:r>
-          </a:p>
-          <a:p>
-            <a:pPr lvl="1"/>
-            <a:r>
-              <a:rPr lang="fr-FR" dirty="0" err="1" smtClean="0"/>
-              <a:t>dataframe.surface</a:t>
-            </a:r>
-            <a:r>
-              <a:rPr lang="fr-FR" dirty="0" smtClean="0"/>
-              <a:t> </a:t>
-            </a:r>
-            <a:r>
-              <a:rPr lang="fr-FR" dirty="0"/>
-              <a:t>= </a:t>
-            </a:r>
-            <a:r>
-              <a:rPr lang="fr-FR" dirty="0" err="1" smtClean="0"/>
-              <a:t>dataframe</a:t>
-            </a:r>
-            <a:r>
-              <a:rPr lang="fr-FR" dirty="0" smtClean="0"/>
-              <a:t>[‘surface'].</a:t>
-            </a:r>
-            <a:r>
-              <a:rPr lang="fr-FR" dirty="0"/>
-              <a:t>replace(',', '.',</a:t>
-            </a:r>
-            <a:r>
-              <a:rPr lang="fr-FR" dirty="0" err="1"/>
-              <a:t>regex</a:t>
-            </a:r>
-            <a:r>
-              <a:rPr lang="fr-FR" dirty="0"/>
-              <a:t>=</a:t>
-            </a:r>
-            <a:r>
-              <a:rPr lang="fr-FR" dirty="0" err="1"/>
-              <a:t>True</a:t>
-            </a:r>
-            <a:r>
-              <a:rPr lang="fr-FR" dirty="0"/>
-              <a:t>).</a:t>
-            </a:r>
-            <a:r>
-              <a:rPr lang="fr-FR" dirty="0" err="1"/>
-              <a:t>astype</a:t>
-            </a:r>
-            <a:r>
-              <a:rPr lang="fr-FR" dirty="0"/>
-              <a:t>(</a:t>
-            </a:r>
-            <a:r>
-              <a:rPr lang="fr-FR" dirty="0" err="1"/>
-              <a:t>float</a:t>
-            </a:r>
-            <a:r>
-              <a:rPr lang="fr-FR" dirty="0" smtClean="0"/>
-              <a:t>)</a:t>
-            </a:r>
-            <a:endParaRPr lang="fr-FR" dirty="0"/>
-          </a:p>
-          <a:p>
-            <a:endParaRPr lang="fr-FR" dirty="0" smtClean="0"/>
-          </a:p>
-        </p:txBody>
-      </p:sp>
-    </p:spTree>
-    <p:extLst>
-      <p:ext uri="{BB962C8B-B14F-4D97-AF65-F5344CB8AC3E}">
-        <p14:creationId xmlns:p14="http://schemas.microsoft.com/office/powerpoint/2010/main" val="3332384904"/>
-      </p:ext>
-    </p:extLst>
   </p:cSld>
   <p:clrMapOvr>
     <a:masterClrMapping/>
@@ -4756,10 +3806,9 @@
           <a:lstStyle/>
           <a:p>
             <a:r>
-              <a:rPr lang="fr-FR" dirty="0" smtClean="0"/>
+              <a:rPr lang="fr-FR" dirty="0"/>
               <a:t>Pandas</a:t>
             </a:r>
-            <a:endParaRPr lang="fr-FR" dirty="0"/>
           </a:p>
         </p:txBody>
       </p:sp>
@@ -4793,47 +3842,47 @@
           </a:p>
           <a:p>
             <a:r>
-              <a:rPr lang="fr-FR" dirty="0" smtClean="0"/>
+              <a:rPr lang="fr-FR" dirty="0"/>
               <a:t>Module Python</a:t>
             </a:r>
           </a:p>
           <a:p>
             <a:pPr lvl="1"/>
             <a:r>
-              <a:rPr lang="fr-FR" dirty="0" smtClean="0"/>
+              <a:rPr lang="fr-FR" dirty="0"/>
               <a:t>Disponible dans Anaconda</a:t>
             </a:r>
           </a:p>
           <a:p>
             <a:pPr lvl="1"/>
             <a:r>
-              <a:rPr lang="fr-FR" dirty="0" err="1" smtClean="0"/>
+              <a:rPr lang="fr-FR" dirty="0" err="1"/>
               <a:t>Pip</a:t>
             </a:r>
             <a:r>
-              <a:rPr lang="fr-FR" dirty="0" smtClean="0"/>
+              <a:rPr lang="fr-FR" dirty="0"/>
               <a:t> </a:t>
             </a:r>
             <a:r>
-              <a:rPr lang="fr-FR" dirty="0" err="1" smtClean="0"/>
+              <a:rPr lang="fr-FR" dirty="0" err="1"/>
               <a:t>install</a:t>
             </a:r>
             <a:r>
-              <a:rPr lang="fr-FR" dirty="0" smtClean="0"/>
+              <a:rPr lang="fr-FR" dirty="0"/>
               <a:t> pandas</a:t>
             </a:r>
           </a:p>
           <a:p>
             <a:pPr lvl="1"/>
             <a:r>
-              <a:rPr lang="fr-FR" dirty="0" smtClean="0"/>
+              <a:rPr lang="fr-FR" dirty="0"/>
               <a:t>import pandas as </a:t>
             </a:r>
             <a:r>
-              <a:rPr lang="fr-FR" dirty="0" err="1" smtClean="0"/>
+              <a:rPr lang="fr-FR" dirty="0" err="1"/>
               <a:t>pd</a:t>
             </a:r>
-            <a:endParaRPr lang="fr-FR" dirty="0" smtClean="0"/>
+            <a:endParaRPr lang="fr-FR" dirty="0"/>
           </a:p>
         </p:txBody>
       </p:sp>
@@ -4883,10 +3932,9 @@
           <a:lstStyle/>
           <a:p>
             <a:r>
-              <a:rPr lang="fr-FR" dirty="0" smtClean="0"/>
+              <a:rPr lang="fr-FR" dirty="0"/>
               <a:t>Les structures de données</a:t>
             </a:r>
-            <a:endParaRPr lang="fr-FR" dirty="0"/>
           </a:p>
         </p:txBody>
       </p:sp>
@@ -4906,101 +3954,65 @@
           <a:lstStyle/>
           <a:p>
             <a:r>
-              <a:rPr lang="fr-FR" dirty="0" smtClean="0"/>
-              <a:t>Pandas </a:t>
-            </a:r>
-            <a:r>
               <a:rPr lang="fr-FR" dirty="0"/>
-              <a:t>fournit </a:t>
-            </a:r>
-            <a:r>
-              <a:rPr lang="fr-FR" dirty="0" smtClean="0"/>
-              <a:t>2 structures </a:t>
-            </a:r>
+              <a:t>Pandas fournit 2 structures de données fondamentales</a:t>
+            </a:r>
+          </a:p>
+          <a:p>
+            <a:pPr lvl="1"/>
             <a:r>
               <a:rPr lang="fr-FR" dirty="0"/>
-              <a:t>de données </a:t>
-            </a:r>
-            <a:r>
-              <a:rPr lang="fr-FR" dirty="0" smtClean="0"/>
-              <a:t>fondamentales</a:t>
+              <a:t>la </a:t>
+            </a:r>
+            <a:r>
+              <a:rPr lang="fr-FR" dirty="0" err="1"/>
+              <a:t>Series</a:t>
+            </a:r>
+            <a:r>
+              <a:rPr lang="fr-FR" dirty="0"/>
+              <a:t> et le </a:t>
+            </a:r>
+            <a:r>
+              <a:rPr lang="fr-FR" dirty="0" err="1"/>
+              <a:t>DataFrame</a:t>
+            </a:r>
+            <a:r>
+              <a:rPr lang="fr-FR" dirty="0"/>
+              <a:t> </a:t>
             </a:r>
           </a:p>
           <a:p>
             <a:pPr lvl="1"/>
             <a:r>
-              <a:rPr lang="fr-FR" dirty="0" smtClean="0"/>
-              <a:t>la </a:t>
-            </a:r>
-            <a:r>
-              <a:rPr lang="fr-FR" dirty="0" err="1" smtClean="0"/>
-              <a:t>Series</a:t>
-            </a:r>
-            <a:r>
-              <a:rPr lang="fr-FR" dirty="0" smtClean="0"/>
-              <a:t> </a:t>
-            </a:r>
-            <a:r>
               <a:rPr lang="fr-FR" dirty="0"/>
-              <a:t>et le </a:t>
-            </a:r>
-            <a:r>
-              <a:rPr lang="fr-FR" dirty="0" err="1" smtClean="0"/>
-              <a:t>DataFrame</a:t>
-            </a:r>
-            <a:r>
-              <a:rPr lang="fr-FR" dirty="0" smtClean="0"/>
-              <a:t> </a:t>
-            </a:r>
-          </a:p>
-          <a:p>
-            <a:pPr lvl="1"/>
-            <a:r>
-              <a:rPr lang="fr-FR" dirty="0" smtClean="0"/>
-              <a:t>On </a:t>
-            </a:r>
-            <a:r>
-              <a:rPr lang="fr-FR" dirty="0"/>
-              <a:t>peut voir ces structures comme une généralisation des tableaux et des matrices de </a:t>
-            </a:r>
-            <a:r>
-              <a:rPr lang="fr-FR" dirty="0" err="1" smtClean="0"/>
-              <a:t>Numpy</a:t>
-            </a:r>
-            <a:endParaRPr lang="fr-FR" dirty="0" smtClean="0"/>
-          </a:p>
-          <a:p>
-            <a:pPr lvl="1"/>
-            <a:r>
-              <a:rPr lang="fr-FR" dirty="0" smtClean="0"/>
-              <a:t>La </a:t>
-            </a:r>
-            <a:r>
-              <a:rPr lang="fr-FR" dirty="0"/>
-              <a:t>différence fondamentale entre ces structures et les versions de </a:t>
+              <a:t>On peut voir ces structures comme une généralisation des tableaux et des matrices de </a:t>
             </a:r>
             <a:r>
               <a:rPr lang="fr-FR" dirty="0" err="1"/>
               <a:t>Numpy</a:t>
             </a:r>
+            <a:endParaRPr lang="fr-FR" dirty="0"/>
+          </a:p>
+          <a:p>
+            <a:pPr lvl="1"/>
             <a:r>
               <a:rPr lang="fr-FR" dirty="0"/>
-              <a:t> est que les objets Pandas possèdent des indices </a:t>
-            </a:r>
-            <a:r>
-              <a:rPr lang="fr-FR" dirty="0" smtClean="0"/>
-              <a:t>explicites</a:t>
+              <a:t>La différence fondamentale entre ces structures et les versions de </a:t>
+            </a:r>
+            <a:r>
+              <a:rPr lang="fr-FR" dirty="0" err="1"/>
+              <a:t>Numpy</a:t>
+            </a:r>
+            <a:r>
+              <a:rPr lang="fr-FR" dirty="0"/>
+              <a:t> est que les objets Pandas possèdent des indices explicites</a:t>
             </a:r>
           </a:p>
           <a:p>
             <a:pPr lvl="1"/>
             <a:r>
-              <a:rPr lang="fr-FR" dirty="0" smtClean="0"/>
-              <a:t>Là </a:t>
-            </a:r>
-            <a:r>
               <a:rPr lang="fr-FR" dirty="0"/>
-              <a:t>où on ne pouvait se référer à un élément d'un tableau </a:t>
+              <a:t>Là où on ne pouvait se référer à un élément d'un tableau </a:t>
             </a:r>
             <a:r>
               <a:rPr lang="fr-FR" dirty="0" err="1"/>
@@ -5075,43 +4087,187 @@
           <a:lstStyle/>
           <a:p>
             <a:r>
-              <a:rPr lang="fr-FR" dirty="0" err="1" smtClean="0"/>
-              <a:t>Series</a:t>
-            </a:r>
-            <a:endParaRPr lang="fr-FR" dirty="0"/>
+              <a:rPr lang="fr-FR" dirty="0"/>
+              <a:t>Import de données</a:t>
+            </a:r>
           </a:p>
         </p:txBody>
       </p:sp>
-      <p:pic>
-        <p:nvPicPr>
-          <p:cNvPr id="4" name="Espace réservé du contenu 3"/>
-          <p:cNvPicPr>
-            <a:picLocks noGrp="1" noChangeAspect="1"/>
-          </p:cNvPicPr>
+      <p:sp>
+        <p:nvSpPr>
+          <p:cNvPr id="3" name="Espace réservé du contenu 2"/>
+          <p:cNvSpPr>
+            <a:spLocks noGrp="1"/>
+          </p:cNvSpPr>
           <p:nvPr>
             <p:ph idx="1"/>
           </p:nvPr>
-        </p:nvPicPr>
-        <p:blipFill>
-          <a:blip r:embed="rId2"/>
-          <a:stretch>
-            <a:fillRect/>
-          </a:stretch>
-        </p:blipFill>
-        <p:spPr>
-          <a:xfrm>
-            <a:off x="1089942" y="986552"/>
-            <a:ext cx="6866434" cy="4983440"/>
-          </a:xfrm>
-          <a:prstGeom prst="rect">
-            <a:avLst/>
-          </a:prstGeom>
-        </p:spPr>
-      </p:pic>
+        </p:nvSpPr>
+        <p:spPr/>
+        <p:txBody>
+          <a:bodyPr/>
+          <a:lstStyle/>
+          <a:p>
+            <a:r>
+              <a:rPr lang="fr-FR" dirty="0"/>
+              <a:t>Pandas possède une librairie très puissante pour importer des données depuis n’importe quelle source</a:t>
+            </a:r>
+          </a:p>
+          <a:p>
+            <a:pPr lvl="1"/>
+            <a:r>
+              <a:rPr lang="fr-FR" dirty="0"/>
+              <a:t>Puis les converti en </a:t>
+            </a:r>
+            <a:r>
+              <a:rPr lang="fr-FR" dirty="0" err="1"/>
+              <a:t>DataFrame</a:t>
+            </a:r>
+            <a:endParaRPr lang="fr-FR" dirty="0"/>
+          </a:p>
+          <a:p>
+            <a:r>
+              <a:rPr lang="fr-FR" dirty="0"/>
+              <a:t>CSV</a:t>
+            </a:r>
+          </a:p>
+          <a:p>
+            <a:pPr marL="457200" lvl="1" indent="0">
+              <a:buNone/>
+            </a:pPr>
+            <a:r>
+              <a:rPr lang="fr-FR" sz="2000" dirty="0" err="1">
+                <a:latin typeface="Courier New" panose="02070309020205020404" pitchFamily="49" charset="0"/>
+                <a:cs typeface="Courier New" panose="02070309020205020404" pitchFamily="49" charset="0"/>
+              </a:rPr>
+              <a:t>house_data</a:t>
+            </a:r>
+            <a:r>
+              <a:rPr lang="fr-FR" sz="2000" dirty="0">
+                <a:latin typeface="Courier New" panose="02070309020205020404" pitchFamily="49" charset="0"/>
+                <a:cs typeface="Courier New" panose="02070309020205020404" pitchFamily="49" charset="0"/>
+              </a:rPr>
+              <a:t> = </a:t>
+            </a:r>
+            <a:r>
+              <a:rPr lang="fr-FR" sz="2000" dirty="0" err="1">
+                <a:latin typeface="Courier New" panose="02070309020205020404" pitchFamily="49" charset="0"/>
+                <a:cs typeface="Courier New" panose="02070309020205020404" pitchFamily="49" charset="0"/>
+              </a:rPr>
+              <a:t>pd.read_csv</a:t>
+            </a:r>
+            <a:r>
+              <a:rPr lang="fr-FR" sz="2000" dirty="0">
+                <a:latin typeface="Courier New" panose="02070309020205020404" pitchFamily="49" charset="0"/>
+                <a:cs typeface="Courier New" panose="02070309020205020404" pitchFamily="49" charset="0"/>
+              </a:rPr>
+              <a:t>('house.csv')</a:t>
+            </a:r>
+          </a:p>
+          <a:p>
+            <a:pPr marL="457200" lvl="1" indent="0">
+              <a:buNone/>
+            </a:pPr>
+            <a:r>
+              <a:rPr lang="fr-FR" sz="2000" dirty="0" err="1">
+                <a:latin typeface="Courier New" panose="02070309020205020404" pitchFamily="49" charset="0"/>
+                <a:cs typeface="Courier New" panose="02070309020205020404" pitchFamily="49" charset="0"/>
+              </a:rPr>
+              <a:t>plt.plot</a:t>
+            </a:r>
+            <a:r>
+              <a:rPr lang="fr-FR" sz="2000" dirty="0">
+                <a:latin typeface="Courier New" panose="02070309020205020404" pitchFamily="49" charset="0"/>
+                <a:cs typeface="Courier New" panose="02070309020205020404" pitchFamily="49" charset="0"/>
+              </a:rPr>
+              <a:t>(</a:t>
+            </a:r>
+            <a:r>
+              <a:rPr lang="fr-FR" sz="2000" dirty="0" err="1">
+                <a:latin typeface="Courier New" panose="02070309020205020404" pitchFamily="49" charset="0"/>
+                <a:cs typeface="Courier New" panose="02070309020205020404" pitchFamily="49" charset="0"/>
+              </a:rPr>
+              <a:t>house_data</a:t>
+            </a:r>
+            <a:r>
+              <a:rPr lang="fr-FR" sz="2000" dirty="0">
+                <a:latin typeface="Courier New" panose="02070309020205020404" pitchFamily="49" charset="0"/>
+                <a:cs typeface="Courier New" panose="02070309020205020404" pitchFamily="49" charset="0"/>
+              </a:rPr>
+              <a:t>['surface'], </a:t>
+            </a:r>
+            <a:r>
+              <a:rPr lang="fr-FR" sz="2000" dirty="0" err="1">
+                <a:latin typeface="Courier New" panose="02070309020205020404" pitchFamily="49" charset="0"/>
+                <a:cs typeface="Courier New" panose="02070309020205020404" pitchFamily="49" charset="0"/>
+              </a:rPr>
+              <a:t>house_data</a:t>
+            </a:r>
+            <a:r>
+              <a:rPr lang="fr-FR" sz="2000" dirty="0">
+                <a:latin typeface="Courier New" panose="02070309020205020404" pitchFamily="49" charset="0"/>
+                <a:cs typeface="Courier New" panose="02070309020205020404" pitchFamily="49" charset="0"/>
+              </a:rPr>
+              <a:t>['loyer'], '</a:t>
+            </a:r>
+            <a:r>
+              <a:rPr lang="fr-FR" sz="2000" dirty="0" err="1">
+                <a:latin typeface="Courier New" panose="02070309020205020404" pitchFamily="49" charset="0"/>
+                <a:cs typeface="Courier New" panose="02070309020205020404" pitchFamily="49" charset="0"/>
+              </a:rPr>
+              <a:t>ro</a:t>
+            </a:r>
+            <a:r>
+              <a:rPr lang="fr-FR" sz="2000" dirty="0">
+                <a:latin typeface="Courier New" panose="02070309020205020404" pitchFamily="49" charset="0"/>
+                <a:cs typeface="Courier New" panose="02070309020205020404" pitchFamily="49" charset="0"/>
+              </a:rPr>
+              <a:t>', </a:t>
+            </a:r>
+            <a:r>
+              <a:rPr lang="fr-FR" sz="2000" dirty="0" err="1">
+                <a:latin typeface="Courier New" panose="02070309020205020404" pitchFamily="49" charset="0"/>
+                <a:cs typeface="Courier New" panose="02070309020205020404" pitchFamily="49" charset="0"/>
+              </a:rPr>
+              <a:t>markersize</a:t>
+            </a:r>
+            <a:r>
+              <a:rPr lang="fr-FR" sz="2000" dirty="0">
+                <a:latin typeface="Courier New" panose="02070309020205020404" pitchFamily="49" charset="0"/>
+                <a:cs typeface="Courier New" panose="02070309020205020404" pitchFamily="49" charset="0"/>
+              </a:rPr>
+              <a:t>=4)</a:t>
+            </a:r>
+          </a:p>
+          <a:p>
+            <a:pPr marL="457200" lvl="1" indent="0">
+              <a:buNone/>
+            </a:pPr>
+            <a:r>
+              <a:rPr lang="fr-FR" sz="2000" dirty="0" err="1">
+                <a:latin typeface="Courier New" panose="02070309020205020404" pitchFamily="49" charset="0"/>
+                <a:cs typeface="Courier New" panose="02070309020205020404" pitchFamily="49" charset="0"/>
+              </a:rPr>
+              <a:t>plt.show</a:t>
+            </a:r>
+            <a:r>
+              <a:rPr lang="fr-FR" sz="2000" dirty="0">
+                <a:latin typeface="Courier New" panose="02070309020205020404" pitchFamily="49" charset="0"/>
+                <a:cs typeface="Courier New" panose="02070309020205020404" pitchFamily="49" charset="0"/>
+              </a:rPr>
+              <a:t>()</a:t>
+            </a:r>
+          </a:p>
+          <a:p>
+            <a:pPr lvl="1"/>
+            <a:endParaRPr lang="fr-FR" dirty="0"/>
+          </a:p>
+        </p:txBody>
+      </p:sp>
     </p:spTree>
     <p:extLst>
       <p:ext uri="{BB962C8B-B14F-4D97-AF65-F5344CB8AC3E}">
-        <p14:creationId xmlns:p14="http://schemas.microsoft.com/office/powerpoint/2010/main" val="2188965481"/>
+        <p14:creationId xmlns:p14="http://schemas.microsoft.com/office/powerpoint/2010/main" val="3356451382"/>
       </p:ext>
     </p:extLst>
   </p:cSld>
@@ -5154,10 +4310,9 @@
           <a:lstStyle/>
           <a:p>
             <a:r>
-              <a:rPr lang="fr-FR" dirty="0" err="1" smtClean="0"/>
-              <a:t>DataFrame</a:t>
-            </a:r>
-            <a:endParaRPr lang="fr-FR" dirty="0"/>
+              <a:rPr lang="fr-FR" dirty="0"/>
+              <a:t>Import de données</a:t>
+            </a:r>
           </a:p>
         </p:txBody>
       </p:sp>
@@ -5178,55 +4333,288 @@
           <a:p>
             <a:r>
               <a:rPr lang="fr-FR" dirty="0"/>
-              <a:t>Les </a:t>
-            </a:r>
-            <a:r>
-              <a:rPr lang="fr-FR" dirty="0" err="1"/>
-              <a:t>DataFrame</a:t>
-            </a:r>
+              <a:t>SQL</a:t>
+            </a:r>
+          </a:p>
+          <a:p>
+            <a:pPr marL="457200" lvl="1" indent="0">
+              <a:buNone/>
+            </a:pPr>
+            <a:r>
+              <a:rPr lang="en-US" sz="2000" dirty="0">
+                <a:latin typeface="Courier New" panose="02070309020205020404" pitchFamily="49" charset="0"/>
+                <a:cs typeface="Courier New" panose="02070309020205020404" pitchFamily="49" charset="0"/>
+              </a:rPr>
+              <a:t>with sqlite3.connect("house.db3") as conn:</a:t>
+            </a:r>
+          </a:p>
+          <a:p>
+            <a:pPr marL="457200" lvl="1" indent="0">
+              <a:buNone/>
+            </a:pPr>
+            <a:r>
+              <a:rPr lang="en-US" sz="2000" dirty="0">
+                <a:latin typeface="Courier New" panose="02070309020205020404" pitchFamily="49" charset="0"/>
+                <a:cs typeface="Courier New" panose="02070309020205020404" pitchFamily="49" charset="0"/>
+              </a:rPr>
+              <a:t>    </a:t>
+            </a:r>
+            <a:r>
+              <a:rPr lang="en-US" sz="2000" dirty="0" err="1">
+                <a:latin typeface="Courier New" panose="02070309020205020404" pitchFamily="49" charset="0"/>
+                <a:cs typeface="Courier New" panose="02070309020205020404" pitchFamily="49" charset="0"/>
+              </a:rPr>
+              <a:t>house_data</a:t>
+            </a:r>
+            <a:r>
+              <a:rPr lang="en-US" sz="2000" dirty="0">
+                <a:latin typeface="Courier New" panose="02070309020205020404" pitchFamily="49" charset="0"/>
+                <a:cs typeface="Courier New" panose="02070309020205020404" pitchFamily="49" charset="0"/>
+              </a:rPr>
+              <a:t> = </a:t>
+            </a:r>
+            <a:r>
+              <a:rPr lang="en-US" sz="2000" dirty="0" err="1">
+                <a:latin typeface="Courier New" panose="02070309020205020404" pitchFamily="49" charset="0"/>
+                <a:cs typeface="Courier New" panose="02070309020205020404" pitchFamily="49" charset="0"/>
+              </a:rPr>
+              <a:t>pd.read_sql</a:t>
+            </a:r>
+            <a:r>
+              <a:rPr lang="en-US" sz="2000" dirty="0">
+                <a:latin typeface="Courier New" panose="02070309020205020404" pitchFamily="49" charset="0"/>
+                <a:cs typeface="Courier New" panose="02070309020205020404" pitchFamily="49" charset="0"/>
+              </a:rPr>
+              <a:t>('select </a:t>
+            </a:r>
+            <a:r>
+              <a:rPr lang="en-US" sz="2000" dirty="0" err="1">
+                <a:latin typeface="Courier New" panose="02070309020205020404" pitchFamily="49" charset="0"/>
+                <a:cs typeface="Courier New" panose="02070309020205020404" pitchFamily="49" charset="0"/>
+              </a:rPr>
+              <a:t>loyer,surface</a:t>
+            </a:r>
+            <a:r>
+              <a:rPr lang="en-US" sz="2000" dirty="0">
+                <a:latin typeface="Courier New" panose="02070309020205020404" pitchFamily="49" charset="0"/>
+                <a:cs typeface="Courier New" panose="02070309020205020404" pitchFamily="49" charset="0"/>
+              </a:rPr>
+              <a:t> from house', conn)</a:t>
+            </a:r>
+          </a:p>
+          <a:p>
             <a:r>
               <a:rPr lang="fr-FR" dirty="0"/>
-              <a:t> permettent de combiner plusieurs </a:t>
-            </a:r>
-            <a:r>
-              <a:rPr lang="fr-FR" dirty="0" err="1"/>
-              <a:t>Series</a:t>
-            </a:r>
-            <a:r>
-              <a:rPr lang="fr-FR" dirty="0"/>
-              <a:t> en colonnes, un peu comme dans un tableau SQL</a:t>
-            </a:r>
+              <a:t>Mongo DB</a:t>
+            </a:r>
+          </a:p>
+          <a:p>
+            <a:pPr marL="457200" lvl="1" indent="0">
+              <a:buNone/>
+            </a:pPr>
+            <a:r>
+              <a:rPr lang="fr-FR" sz="2000" dirty="0" err="1">
+                <a:latin typeface="Courier New" panose="02070309020205020404" pitchFamily="49" charset="0"/>
+                <a:cs typeface="Courier New" panose="02070309020205020404" pitchFamily="49" charset="0"/>
+              </a:rPr>
+              <a:t>with</a:t>
+            </a:r>
+            <a:r>
+              <a:rPr lang="fr-FR" sz="2000" dirty="0">
+                <a:latin typeface="Courier New" panose="02070309020205020404" pitchFamily="49" charset="0"/>
+                <a:cs typeface="Courier New" panose="02070309020205020404" pitchFamily="49" charset="0"/>
+              </a:rPr>
+              <a:t> </a:t>
+            </a:r>
+            <a:r>
+              <a:rPr lang="fr-FR" sz="2000" dirty="0" err="1">
+                <a:latin typeface="Courier New" panose="02070309020205020404" pitchFamily="49" charset="0"/>
+                <a:cs typeface="Courier New" panose="02070309020205020404" pitchFamily="49" charset="0"/>
+              </a:rPr>
+              <a:t>pymongo.MongoClient</a:t>
+            </a:r>
+            <a:r>
+              <a:rPr lang="fr-FR" sz="2000" dirty="0">
+                <a:latin typeface="Courier New" panose="02070309020205020404" pitchFamily="49" charset="0"/>
+                <a:cs typeface="Courier New" panose="02070309020205020404" pitchFamily="49" charset="0"/>
+              </a:rPr>
+              <a:t>('</a:t>
+            </a:r>
+            <a:r>
+              <a:rPr lang="fr-FR" sz="2000" dirty="0" err="1">
+                <a:latin typeface="Courier New" panose="02070309020205020404" pitchFamily="49" charset="0"/>
+                <a:cs typeface="Courier New" panose="02070309020205020404" pitchFamily="49" charset="0"/>
+              </a:rPr>
+              <a:t>localhost</a:t>
+            </a:r>
+            <a:r>
+              <a:rPr lang="fr-FR" sz="2000" dirty="0">
+                <a:latin typeface="Courier New" panose="02070309020205020404" pitchFamily="49" charset="0"/>
+                <a:cs typeface="Courier New" panose="02070309020205020404" pitchFamily="49" charset="0"/>
+              </a:rPr>
+              <a:t>', 27017) as client:</a:t>
+            </a:r>
+          </a:p>
+          <a:p>
+            <a:pPr marL="457200" lvl="1" indent="0">
+              <a:buNone/>
+            </a:pPr>
+            <a:r>
+              <a:rPr lang="fr-FR" sz="2000" dirty="0">
+                <a:latin typeface="Courier New" panose="02070309020205020404" pitchFamily="49" charset="0"/>
+                <a:cs typeface="Courier New" panose="02070309020205020404" pitchFamily="49" charset="0"/>
+              </a:rPr>
+              <a:t>    </a:t>
+            </a:r>
+            <a:r>
+              <a:rPr lang="fr-FR" sz="2000" dirty="0" err="1">
+                <a:latin typeface="Courier New" panose="02070309020205020404" pitchFamily="49" charset="0"/>
+                <a:cs typeface="Courier New" panose="02070309020205020404" pitchFamily="49" charset="0"/>
+              </a:rPr>
+              <a:t>db</a:t>
+            </a:r>
+            <a:r>
+              <a:rPr lang="fr-FR" sz="2000" dirty="0">
+                <a:latin typeface="Courier New" panose="02070309020205020404" pitchFamily="49" charset="0"/>
+                <a:cs typeface="Courier New" panose="02070309020205020404" pitchFamily="49" charset="0"/>
+              </a:rPr>
+              <a:t> = </a:t>
+            </a:r>
+            <a:r>
+              <a:rPr lang="fr-FR" sz="2000" dirty="0" err="1">
+                <a:latin typeface="Courier New" panose="02070309020205020404" pitchFamily="49" charset="0"/>
+                <a:cs typeface="Courier New" panose="02070309020205020404" pitchFamily="49" charset="0"/>
+              </a:rPr>
+              <a:t>client.test</a:t>
+            </a:r>
+            <a:endParaRPr lang="fr-FR" sz="2000" dirty="0">
+              <a:latin typeface="Courier New" panose="02070309020205020404" pitchFamily="49" charset="0"/>
+              <a:cs typeface="Courier New" panose="02070309020205020404" pitchFamily="49" charset="0"/>
+            </a:endParaRPr>
+          </a:p>
+          <a:p>
+            <a:pPr marL="457200" lvl="1" indent="0">
+              <a:buNone/>
+            </a:pPr>
+            <a:r>
+              <a:rPr lang="fr-FR" sz="2000" dirty="0">
+                <a:latin typeface="Courier New" panose="02070309020205020404" pitchFamily="49" charset="0"/>
+                <a:cs typeface="Courier New" panose="02070309020205020404" pitchFamily="49" charset="0"/>
+              </a:rPr>
+              <a:t>    </a:t>
+            </a:r>
+            <a:r>
+              <a:rPr lang="fr-FR" sz="2000" dirty="0" err="1">
+                <a:latin typeface="Courier New" panose="02070309020205020404" pitchFamily="49" charset="0"/>
+                <a:cs typeface="Courier New" panose="02070309020205020404" pitchFamily="49" charset="0"/>
+              </a:rPr>
+              <a:t>cursor</a:t>
+            </a:r>
+            <a:r>
+              <a:rPr lang="fr-FR" sz="2000" dirty="0">
+                <a:latin typeface="Courier New" panose="02070309020205020404" pitchFamily="49" charset="0"/>
+                <a:cs typeface="Courier New" panose="02070309020205020404" pitchFamily="49" charset="0"/>
+              </a:rPr>
+              <a:t> = </a:t>
+            </a:r>
+            <a:r>
+              <a:rPr lang="fr-FR" sz="2000" dirty="0" err="1">
+                <a:latin typeface="Courier New" panose="02070309020205020404" pitchFamily="49" charset="0"/>
+                <a:cs typeface="Courier New" panose="02070309020205020404" pitchFamily="49" charset="0"/>
+              </a:rPr>
+              <a:t>db.house.find</a:t>
+            </a:r>
+            <a:r>
+              <a:rPr lang="fr-FR" sz="2000" dirty="0">
+                <a:latin typeface="Courier New" panose="02070309020205020404" pitchFamily="49" charset="0"/>
+                <a:cs typeface="Courier New" panose="02070309020205020404" pitchFamily="49" charset="0"/>
+              </a:rPr>
+              <a:t>()</a:t>
+            </a:r>
+          </a:p>
+          <a:p>
+            <a:pPr marL="457200" lvl="1" indent="0">
+              <a:buNone/>
+            </a:pPr>
+            <a:r>
+              <a:rPr lang="fr-FR" sz="2000" dirty="0">
+                <a:latin typeface="Courier New" panose="02070309020205020404" pitchFamily="49" charset="0"/>
+                <a:cs typeface="Courier New" panose="02070309020205020404" pitchFamily="49" charset="0"/>
+              </a:rPr>
+              <a:t>    </a:t>
+            </a:r>
+            <a:r>
+              <a:rPr lang="fr-FR" sz="2000" dirty="0" err="1">
+                <a:latin typeface="Courier New" panose="02070309020205020404" pitchFamily="49" charset="0"/>
+                <a:cs typeface="Courier New" panose="02070309020205020404" pitchFamily="49" charset="0"/>
+              </a:rPr>
+              <a:t>house_data</a:t>
+            </a:r>
+            <a:r>
+              <a:rPr lang="fr-FR" sz="2000" dirty="0">
+                <a:latin typeface="Courier New" panose="02070309020205020404" pitchFamily="49" charset="0"/>
+                <a:cs typeface="Courier New" panose="02070309020205020404" pitchFamily="49" charset="0"/>
+              </a:rPr>
+              <a:t> = </a:t>
+            </a:r>
+            <a:r>
+              <a:rPr lang="fr-FR" sz="2000" dirty="0" err="1">
+                <a:latin typeface="Courier New" panose="02070309020205020404" pitchFamily="49" charset="0"/>
+                <a:cs typeface="Courier New" panose="02070309020205020404" pitchFamily="49" charset="0"/>
+              </a:rPr>
+              <a:t>pd.DataFrame</a:t>
+            </a:r>
+            <a:r>
+              <a:rPr lang="fr-FR" sz="2000" dirty="0">
+                <a:latin typeface="Courier New" panose="02070309020205020404" pitchFamily="49" charset="0"/>
+                <a:cs typeface="Courier New" panose="02070309020205020404" pitchFamily="49" charset="0"/>
+              </a:rPr>
+              <a:t>(</a:t>
+            </a:r>
+            <a:r>
+              <a:rPr lang="fr-FR" sz="2000" dirty="0" err="1">
+                <a:latin typeface="Courier New" panose="02070309020205020404" pitchFamily="49" charset="0"/>
+                <a:cs typeface="Courier New" panose="02070309020205020404" pitchFamily="49" charset="0"/>
+              </a:rPr>
+              <a:t>list</a:t>
+            </a:r>
+            <a:r>
+              <a:rPr lang="fr-FR" sz="2000" dirty="0">
+                <a:latin typeface="Courier New" panose="02070309020205020404" pitchFamily="49" charset="0"/>
+                <a:cs typeface="Courier New" panose="02070309020205020404" pitchFamily="49" charset="0"/>
+              </a:rPr>
+              <a:t>(</a:t>
+            </a:r>
+            <a:r>
+              <a:rPr lang="fr-FR" sz="2000" dirty="0" err="1">
+                <a:latin typeface="Courier New" panose="02070309020205020404" pitchFamily="49" charset="0"/>
+                <a:cs typeface="Courier New" panose="02070309020205020404" pitchFamily="49" charset="0"/>
+              </a:rPr>
+              <a:t>cursor</a:t>
+            </a:r>
+            <a:r>
+              <a:rPr lang="fr-FR" sz="2000" dirty="0">
+                <a:latin typeface="Courier New" panose="02070309020205020404" pitchFamily="49" charset="0"/>
+                <a:cs typeface="Courier New" panose="02070309020205020404" pitchFamily="49" charset="0"/>
+              </a:rPr>
+              <a:t>))</a:t>
+            </a:r>
+          </a:p>
+          <a:p>
+            <a:pPr marL="457200" lvl="1" indent="0">
+              <a:buNone/>
+            </a:pPr>
+            <a:endParaRPr lang="en-US" sz="2000" dirty="0">
+              <a:latin typeface="Courier New" panose="02070309020205020404" pitchFamily="49" charset="0"/>
+              <a:cs typeface="Courier New" panose="02070309020205020404" pitchFamily="49" charset="0"/>
+            </a:endParaRPr>
           </a:p>
         </p:txBody>
       </p:sp>
-      <p:pic>
-        <p:nvPicPr>
-          <p:cNvPr id="4" name="Image 3"/>
-          <p:cNvPicPr>
-            <a:picLocks noChangeAspect="1"/>
-          </p:cNvPicPr>
-          <p:nvPr/>
-        </p:nvPicPr>
-        <p:blipFill>
-          <a:blip r:embed="rId2"/>
-          <a:stretch>
-            <a:fillRect/>
-          </a:stretch>
-        </p:blipFill>
-        <p:spPr>
-          <a:xfrm>
-            <a:off x="2483768" y="2586053"/>
-            <a:ext cx="4248472" cy="4123850"/>
-          </a:xfrm>
-          <a:prstGeom prst="rect">
-            <a:avLst/>
-          </a:prstGeom>
-        </p:spPr>
-      </p:pic>
     </p:spTree>
     <p:extLst>
       <p:ext uri="{BB962C8B-B14F-4D97-AF65-F5344CB8AC3E}">
-        <p14:creationId xmlns:p14="http://schemas.microsoft.com/office/powerpoint/2010/main" val="3986555554"/>
+        <p14:creationId xmlns:p14="http://schemas.microsoft.com/office/powerpoint/2010/main" val="1488125564"/>
       </p:ext>
     </p:extLst>
   </p:cSld>
@@ -5269,10 +4657,9 @@
           <a:lstStyle/>
           <a:p>
             <a:r>
-              <a:rPr lang="fr-FR" dirty="0" smtClean="0"/>
-              <a:t>Index</a:t>
-            </a:r>
-            <a:endParaRPr lang="fr-FR" dirty="0"/>
+              <a:rPr lang="fr-FR" dirty="0"/>
+              <a:t>Filtrage</a:t>
+            </a:r>
           </a:p>
         </p:txBody>
       </p:sp>
@@ -5293,888 +4680,149 @@
           <a:p>
             <a:r>
               <a:rPr lang="fr-FR" dirty="0"/>
-              <a:t>On peut référer aux éléments des objets Pandas en utilisant soit leur index </a:t>
-            </a:r>
-            <a:r>
-              <a:rPr lang="fr-FR" dirty="0" smtClean="0"/>
-              <a:t>implicites (</a:t>
-            </a:r>
-            <a:r>
-              <a:rPr lang="fr-FR" dirty="0" err="1" smtClean="0"/>
-              <a:t>int</a:t>
-            </a:r>
-            <a:r>
-              <a:rPr lang="fr-FR" dirty="0" smtClean="0"/>
-              <a:t>) soit </a:t>
+              <a:t>Filtrage du </a:t>
+            </a:r>
+            <a:r>
+              <a:rPr lang="fr-FR" dirty="0" err="1"/>
+              <a:t>DataFrame</a:t>
+            </a:r>
+            <a:endParaRPr lang="fr-FR" dirty="0"/>
+          </a:p>
+          <a:p>
+            <a:pPr lvl="1"/>
+            <a:r>
+              <a:rPr lang="fr-FR" dirty="0" err="1"/>
+              <a:t>Dataframe</a:t>
             </a:r>
             <a:r>
               <a:rPr lang="fr-FR" dirty="0"/>
-              <a:t>les index </a:t>
-            </a:r>
-            <a:r>
-              <a:rPr lang="fr-FR" dirty="0" smtClean="0"/>
-              <a:t>explicites (key)</a:t>
+              <a:t> = </a:t>
+            </a:r>
+            <a:r>
+              <a:rPr lang="fr-FR" dirty="0" err="1"/>
+              <a:t>dataframe</a:t>
+            </a:r>
+            <a:r>
+              <a:rPr lang="fr-FR" dirty="0"/>
+              <a:t>[</a:t>
+            </a:r>
+            <a:r>
+              <a:rPr lang="fr-FR" dirty="0" err="1"/>
+              <a:t>dataframe.surface</a:t>
+            </a:r>
+            <a:r>
+              <a:rPr lang="fr-FR" dirty="0"/>
+              <a:t> &lt; 200]</a:t>
+            </a:r>
+          </a:p>
+          <a:p>
+            <a:r>
+              <a:rPr lang="fr-FR" dirty="0"/>
+              <a:t>Enlever une dimension</a:t>
             </a:r>
           </a:p>
           <a:p>
             <a:pPr lvl="1"/>
             <a:r>
-              <a:rPr lang="fr-FR" dirty="0" smtClean="0"/>
-              <a:t>Pour </a:t>
+              <a:rPr lang="fr-FR" dirty="0" err="1"/>
+              <a:t>Dataframe.drop</a:t>
             </a:r>
             <a:r>
               <a:rPr lang="fr-FR" dirty="0"/>
-              <a:t>éviter toute confusion, il est conseillé d'utiliser les attributs  </a:t>
-            </a:r>
+              <a:t>(‘Colonne’,1)</a:t>
+            </a:r>
+          </a:p>
+          <a:p>
+            <a:r>
+              <a:rPr lang="fr-FR" dirty="0"/>
+              <a:t>Remplacer les champs nuls</a:t>
+            </a:r>
+          </a:p>
+          <a:p>
+            <a:pPr lvl="1"/>
             <a:r>
               <a:rPr lang="fr-FR" dirty="0" err="1"/>
-              <a:t>loc</a:t>
+              <a:t>dataframe.codePostal</a:t>
             </a:r>
             <a:r>
               <a:rPr lang="fr-FR" dirty="0"/>
-              <a:t>  (qui référence par l'index) et  </a:t>
+              <a:t> = </a:t>
             </a:r>
             <a:r>
               <a:rPr lang="fr-FR" dirty="0" err="1"/>
-              <a:t>iloc</a:t>
+              <a:t>dataframe.codePostal.fillna</a:t>
             </a:r>
             <a:r>
               <a:rPr lang="fr-FR" dirty="0"/>
-              <a:t>  (qui référence par la position) de chaque objet</a:t>
-            </a:r>
-          </a:p>
-        </p:txBody>
-      </p:sp>
-      <p:pic>
-        <p:nvPicPr>
-          <p:cNvPr id="4" name="Image 3"/>
-          <p:cNvPicPr>
-            <a:picLocks noChangeAspect="1"/>
-          </p:cNvPicPr>
-          <p:nvPr/>
-        </p:nvPicPr>
-        <p:blipFill>
-          <a:blip r:embed="rId2"/>
-          <a:stretch>
-            <a:fillRect/>
-          </a:stretch>
-        </p:blipFill>
-        <p:spPr>
-          <a:xfrm>
-            <a:off x="1979713" y="4013095"/>
-            <a:ext cx="5516154" cy="2469519"/>
-          </a:xfrm>
-          <a:prstGeom prst="rect">
-            <a:avLst/>
-          </a:prstGeom>
-        </p:spPr>
-      </p:pic>
-    </p:spTree>
-    <p:extLst>
-      <p:ext uri="{BB962C8B-B14F-4D97-AF65-F5344CB8AC3E}">
-        <p14:creationId xmlns:p14="http://schemas.microsoft.com/office/powerpoint/2010/main" val="599953895"/>
-      </p:ext>
-    </p:extLst>
-  </p:cSld>
-  <p:clrMapOvr>
-    <a:masterClrMapping/>
-  </p:clrMapOvr>
-</p:sld>
-</file>
-
-<file path=ppt/slides/slide7.xml><?xml version="1.0" encoding="utf-8"?>
-<p:sld xmlns:a="http://schemas.openxmlformats.org/drawingml/2006/main" xmlns:r="http://schemas.openxmlformats.org/officeDocument/2006/relationships" xmlns:p="http://schemas.openxmlformats.org/presentationml/2006/main">
-  <p:cSld>
-    <p:spTree>
-      <p:nvGrpSpPr>
-        <p:cNvPr id="1" name=""/>
-        <p:cNvGrpSpPr/>
-        <p:nvPr/>
-      </p:nvGrpSpPr>
-      <p:grpSpPr>
-        <a:xfrm>
-          <a:off x="0" y="0"/>
-          <a:ext cx="0" cy="0"/>
-          <a:chOff x="0" y="0"/>
-          <a:chExt cx="0" cy="0"/>
-        </a:xfrm>
-      </p:grpSpPr>
-      <p:sp>
-        <p:nvSpPr>
-          <p:cNvPr id="2" name="Titre 1"/>
-          <p:cNvSpPr>
-            <a:spLocks noGrp="1"/>
-          </p:cNvSpPr>
-          <p:nvPr>
-            <p:ph type="title"/>
-          </p:nvPr>
-        </p:nvSpPr>
-        <p:spPr/>
-        <p:txBody>
-          <a:bodyPr/>
-          <a:lstStyle/>
-          <a:p>
-            <a:r>
-              <a:rPr lang="fr-FR" dirty="0" smtClean="0"/>
-              <a:t>Union</a:t>
-            </a:r>
+              <a:t>('38000')</a:t>
+            </a:r>
+          </a:p>
+          <a:p>
+            <a:r>
+              <a:rPr lang="fr-FR" dirty="0"/>
+              <a:t>Changement de valeurs</a:t>
+            </a:r>
+          </a:p>
+          <a:p>
+            <a:pPr lvl="1"/>
+            <a:r>
+              <a:rPr lang="fr-FR" dirty="0" err="1"/>
+              <a:t>dataframe.surface</a:t>
+            </a:r>
+            <a:r>
+              <a:rPr lang="fr-FR" dirty="0"/>
+              <a:t> = </a:t>
+            </a:r>
+            <a:r>
+              <a:rPr lang="fr-FR" dirty="0" err="1"/>
+              <a:t>dataframe</a:t>
+            </a:r>
+            <a:r>
+              <a:rPr lang="fr-FR" dirty="0"/>
+              <a:t>[‘surface'].replace(',', '.',</a:t>
+            </a:r>
+            <a:r>
+              <a:rPr lang="fr-FR" dirty="0" err="1"/>
+              <a:t>regex</a:t>
+            </a:r>
+            <a:r>
+              <a:rPr lang="fr-FR" dirty="0"/>
+              <a:t>=</a:t>
+            </a:r>
+            <a:r>
+              <a:rPr lang="fr-FR" dirty="0" err="1"/>
+              <a:t>True</a:t>
+            </a:r>
+            <a:r>
+              <a:rPr lang="fr-FR" dirty="0"/>
+              <a:t>).</a:t>
+            </a:r>
+            <a:r>
+              <a:rPr lang="fr-FR" dirty="0" err="1"/>
+              <a:t>astype</a:t>
+            </a:r>
+            <a:r>
+              <a:rPr lang="fr-FR" dirty="0"/>
+              <a:t>(</a:t>
+            </a:r>
+            <a:r>
+              <a:rPr lang="fr-FR" dirty="0" err="1"/>
+              <a:t>float</a:t>
+            </a:r>
+            <a:r>
+              <a:rPr lang="fr-FR" dirty="0"/>
+              <a:t>)</a:t>
+            </a:r>
+          </a:p>
+          <a:p>
             <a:endParaRPr lang="fr-FR" dirty="0"/>
-          </a:p>
-        </p:txBody>
-      </p:sp>
-      <p:sp>
-        <p:nvSpPr>
-          <p:cNvPr id="3" name="Espace réservé du contenu 2"/>
-          <p:cNvSpPr>
-            <a:spLocks noGrp="1"/>
-          </p:cNvSpPr>
-          <p:nvPr>
-            <p:ph idx="1"/>
-          </p:nvPr>
-        </p:nvSpPr>
-        <p:spPr/>
-        <p:txBody>
-          <a:bodyPr/>
-          <a:lstStyle/>
-          <a:p>
-            <a:r>
-              <a:rPr lang="fr-FR" dirty="0"/>
-              <a:t>Une des opérations les plus simples en algèbre relationnelle est l'union de </a:t>
-            </a:r>
-            <a:r>
-              <a:rPr lang="fr-FR" dirty="0" smtClean="0"/>
-              <a:t>données</a:t>
-            </a:r>
-            <a:endParaRPr lang="fr-FR" dirty="0"/>
-          </a:p>
-          <a:p>
-            <a:r>
-              <a:rPr lang="fr-FR" dirty="0"/>
-              <a:t>ser1 = </a:t>
-            </a:r>
-            <a:r>
-              <a:rPr lang="fr-FR" dirty="0" err="1"/>
-              <a:t>pd.Series</a:t>
-            </a:r>
-            <a:r>
-              <a:rPr lang="fr-FR" dirty="0"/>
-              <a:t>(['A', 'B', 'C'], index=[1, 2, 3])</a:t>
-            </a:r>
-          </a:p>
-          <a:p>
-            <a:r>
-              <a:rPr lang="fr-FR" dirty="0"/>
-              <a:t>ser2 = </a:t>
-            </a:r>
-            <a:r>
-              <a:rPr lang="fr-FR" dirty="0" err="1"/>
-              <a:t>pd.Series</a:t>
-            </a:r>
-            <a:r>
-              <a:rPr lang="fr-FR" dirty="0"/>
-              <a:t>(['D', 'E', 'F'], index=[4, 5, 6])</a:t>
-            </a:r>
-          </a:p>
-          <a:p>
-            <a:r>
-              <a:rPr lang="fr-FR" dirty="0" err="1"/>
-              <a:t>pd.concat</a:t>
-            </a:r>
-            <a:r>
-              <a:rPr lang="fr-FR" dirty="0"/>
-              <a:t>([ser1, ser2])</a:t>
-            </a:r>
           </a:p>
         </p:txBody>
       </p:sp>
     </p:spTree>
     <p:extLst>
       <p:ext uri="{BB962C8B-B14F-4D97-AF65-F5344CB8AC3E}">
-        <p14:creationId xmlns:p14="http://schemas.microsoft.com/office/powerpoint/2010/main" val="371093885"/>
-      </p:ext>
-    </p:extLst>
-  </p:cSld>
-  <p:clrMapOvr>
-    <a:masterClrMapping/>
-  </p:clrMapOvr>
-</p:sld>
-</file>
-
-<file path=ppt/slides/slide8.xml><?xml version="1.0" encoding="utf-8"?>
-<p:sld xmlns:a="http://schemas.openxmlformats.org/drawingml/2006/main" xmlns:r="http://schemas.openxmlformats.org/officeDocument/2006/relationships" xmlns:p="http://schemas.openxmlformats.org/presentationml/2006/main">
-  <p:cSld>
-    <p:spTree>
-      <p:nvGrpSpPr>
-        <p:cNvPr id="1" name=""/>
-        <p:cNvGrpSpPr/>
-        <p:nvPr/>
-      </p:nvGrpSpPr>
-      <p:grpSpPr>
-        <a:xfrm>
-          <a:off x="0" y="0"/>
-          <a:ext cx="0" cy="0"/>
-          <a:chOff x="0" y="0"/>
-          <a:chExt cx="0" cy="0"/>
-        </a:xfrm>
-      </p:grpSpPr>
-      <p:sp>
-        <p:nvSpPr>
-          <p:cNvPr id="2" name="Titre 1"/>
-          <p:cNvSpPr>
-            <a:spLocks noGrp="1"/>
-          </p:cNvSpPr>
-          <p:nvPr>
-            <p:ph type="title"/>
-          </p:nvPr>
-        </p:nvSpPr>
-        <p:spPr/>
-        <p:txBody>
-          <a:bodyPr/>
-          <a:lstStyle/>
-          <a:p>
-            <a:r>
-              <a:rPr lang="fr-FR" dirty="0" smtClean="0"/>
-              <a:t>Jointure 1-1</a:t>
-            </a:r>
-            <a:endParaRPr lang="fr-FR" dirty="0"/>
-          </a:p>
-        </p:txBody>
-      </p:sp>
-      <p:sp>
-        <p:nvSpPr>
-          <p:cNvPr id="3" name="Espace réservé du contenu 2"/>
-          <p:cNvSpPr>
-            <a:spLocks noGrp="1"/>
-          </p:cNvSpPr>
-          <p:nvPr>
-            <p:ph idx="1"/>
-          </p:nvPr>
-        </p:nvSpPr>
-        <p:spPr/>
-        <p:txBody>
-          <a:bodyPr/>
-          <a:lstStyle/>
-          <a:p>
-            <a:r>
-              <a:rPr lang="fr-FR" dirty="0" err="1" smtClean="0"/>
-              <a:t>pd.merge</a:t>
-            </a:r>
-            <a:r>
-              <a:rPr lang="fr-FR" dirty="0" smtClean="0"/>
-              <a:t> permet </a:t>
-            </a:r>
-            <a:r>
-              <a:rPr lang="fr-FR" dirty="0"/>
-              <a:t>de réaliser des opérations différentes en fonction des arguments qu'elle </a:t>
-            </a:r>
-            <a:r>
-              <a:rPr lang="fr-FR" dirty="0" smtClean="0"/>
-              <a:t>reçoit</a:t>
-            </a:r>
-            <a:endParaRPr lang="fr-FR" dirty="0"/>
-          </a:p>
-          <a:p>
-            <a:pPr marL="0" indent="0">
-              <a:buNone/>
-            </a:pPr>
-            <a:r>
-              <a:rPr lang="fr-FR" sz="1600" dirty="0">
-                <a:latin typeface="Courier New" panose="02070309020205020404" pitchFamily="49" charset="0"/>
-                <a:cs typeface="Courier New" panose="02070309020205020404" pitchFamily="49" charset="0"/>
-              </a:rPr>
-              <a:t>df1 = </a:t>
-            </a:r>
-            <a:r>
-              <a:rPr lang="fr-FR" sz="1600" dirty="0" err="1">
-                <a:latin typeface="Courier New" panose="02070309020205020404" pitchFamily="49" charset="0"/>
-                <a:cs typeface="Courier New" panose="02070309020205020404" pitchFamily="49" charset="0"/>
-              </a:rPr>
-              <a:t>pd.DataFrame</a:t>
-            </a:r>
-            <a:r>
-              <a:rPr lang="fr-FR" sz="1600" dirty="0">
-                <a:latin typeface="Courier New" panose="02070309020205020404" pitchFamily="49" charset="0"/>
-                <a:cs typeface="Courier New" panose="02070309020205020404" pitchFamily="49" charset="0"/>
-              </a:rPr>
-              <a:t>({'</a:t>
-            </a:r>
-            <a:r>
-              <a:rPr lang="fr-FR" sz="1600" dirty="0" err="1">
-                <a:latin typeface="Courier New" panose="02070309020205020404" pitchFamily="49" charset="0"/>
-                <a:cs typeface="Courier New" panose="02070309020205020404" pitchFamily="49" charset="0"/>
-              </a:rPr>
-              <a:t>employee</a:t>
-            </a:r>
-            <a:r>
-              <a:rPr lang="fr-FR" sz="1600" dirty="0">
-                <a:latin typeface="Courier New" panose="02070309020205020404" pitchFamily="49" charset="0"/>
-                <a:cs typeface="Courier New" panose="02070309020205020404" pitchFamily="49" charset="0"/>
-              </a:rPr>
-              <a:t>': ['Bob', '</a:t>
-            </a:r>
-            <a:r>
-              <a:rPr lang="fr-FR" sz="1600" dirty="0" err="1">
-                <a:latin typeface="Courier New" panose="02070309020205020404" pitchFamily="49" charset="0"/>
-                <a:cs typeface="Courier New" panose="02070309020205020404" pitchFamily="49" charset="0"/>
-              </a:rPr>
-              <a:t>Jake</a:t>
-            </a:r>
-            <a:r>
-              <a:rPr lang="fr-FR" sz="1600" dirty="0">
-                <a:latin typeface="Courier New" panose="02070309020205020404" pitchFamily="49" charset="0"/>
-                <a:cs typeface="Courier New" panose="02070309020205020404" pitchFamily="49" charset="0"/>
-              </a:rPr>
-              <a:t>', 'Lisa', 'Sue'],</a:t>
-            </a:r>
-          </a:p>
-          <a:p>
-            <a:pPr marL="0" indent="0">
-              <a:buNone/>
-            </a:pPr>
-            <a:r>
-              <a:rPr lang="fr-FR" sz="1600" dirty="0">
-                <a:latin typeface="Courier New" panose="02070309020205020404" pitchFamily="49" charset="0"/>
-                <a:cs typeface="Courier New" panose="02070309020205020404" pitchFamily="49" charset="0"/>
-              </a:rPr>
-              <a:t>                    '</a:t>
-            </a:r>
-            <a:r>
-              <a:rPr lang="fr-FR" sz="1600" dirty="0" err="1">
-                <a:latin typeface="Courier New" panose="02070309020205020404" pitchFamily="49" charset="0"/>
-                <a:cs typeface="Courier New" panose="02070309020205020404" pitchFamily="49" charset="0"/>
-              </a:rPr>
-              <a:t>department</a:t>
-            </a:r>
-            <a:r>
-              <a:rPr lang="fr-FR" sz="1600" dirty="0">
-                <a:latin typeface="Courier New" panose="02070309020205020404" pitchFamily="49" charset="0"/>
-                <a:cs typeface="Courier New" panose="02070309020205020404" pitchFamily="49" charset="0"/>
-              </a:rPr>
-              <a:t>': ['</a:t>
-            </a:r>
-            <a:r>
-              <a:rPr lang="fr-FR" sz="1600" dirty="0" err="1">
-                <a:latin typeface="Courier New" panose="02070309020205020404" pitchFamily="49" charset="0"/>
-                <a:cs typeface="Courier New" panose="02070309020205020404" pitchFamily="49" charset="0"/>
-              </a:rPr>
-              <a:t>Accounting</a:t>
-            </a:r>
-            <a:r>
-              <a:rPr lang="fr-FR" sz="1600" dirty="0">
-                <a:latin typeface="Courier New" panose="02070309020205020404" pitchFamily="49" charset="0"/>
-                <a:cs typeface="Courier New" panose="02070309020205020404" pitchFamily="49" charset="0"/>
-              </a:rPr>
-              <a:t>', 'Engineering', 'Engineering', 'HR']})</a:t>
-            </a:r>
-          </a:p>
-          <a:p>
-            <a:pPr marL="0" indent="0">
-              <a:buNone/>
-            </a:pPr>
-            <a:r>
-              <a:rPr lang="fr-FR" sz="1600" dirty="0">
-                <a:latin typeface="Courier New" panose="02070309020205020404" pitchFamily="49" charset="0"/>
-                <a:cs typeface="Courier New" panose="02070309020205020404" pitchFamily="49" charset="0"/>
-              </a:rPr>
-              <a:t>df2 = </a:t>
-            </a:r>
-            <a:r>
-              <a:rPr lang="fr-FR" sz="1600" dirty="0" err="1">
-                <a:latin typeface="Courier New" panose="02070309020205020404" pitchFamily="49" charset="0"/>
-                <a:cs typeface="Courier New" panose="02070309020205020404" pitchFamily="49" charset="0"/>
-              </a:rPr>
-              <a:t>pd.DataFrame</a:t>
-            </a:r>
-            <a:r>
-              <a:rPr lang="fr-FR" sz="1600" dirty="0">
-                <a:latin typeface="Courier New" panose="02070309020205020404" pitchFamily="49" charset="0"/>
-                <a:cs typeface="Courier New" panose="02070309020205020404" pitchFamily="49" charset="0"/>
-              </a:rPr>
-              <a:t>({'</a:t>
-            </a:r>
-            <a:r>
-              <a:rPr lang="fr-FR" sz="1600" dirty="0" err="1">
-                <a:latin typeface="Courier New" panose="02070309020205020404" pitchFamily="49" charset="0"/>
-                <a:cs typeface="Courier New" panose="02070309020205020404" pitchFamily="49" charset="0"/>
-              </a:rPr>
-              <a:t>employee</a:t>
-            </a:r>
-            <a:r>
-              <a:rPr lang="fr-FR" sz="1600" dirty="0">
-                <a:latin typeface="Courier New" panose="02070309020205020404" pitchFamily="49" charset="0"/>
-                <a:cs typeface="Courier New" panose="02070309020205020404" pitchFamily="49" charset="0"/>
-              </a:rPr>
-              <a:t>': ['Lisa', 'Bob', '</a:t>
-            </a:r>
-            <a:r>
-              <a:rPr lang="fr-FR" sz="1600" dirty="0" err="1">
-                <a:latin typeface="Courier New" panose="02070309020205020404" pitchFamily="49" charset="0"/>
-                <a:cs typeface="Courier New" panose="02070309020205020404" pitchFamily="49" charset="0"/>
-              </a:rPr>
-              <a:t>Jake</a:t>
-            </a:r>
-            <a:r>
-              <a:rPr lang="fr-FR" sz="1600" dirty="0">
-                <a:latin typeface="Courier New" panose="02070309020205020404" pitchFamily="49" charset="0"/>
-                <a:cs typeface="Courier New" panose="02070309020205020404" pitchFamily="49" charset="0"/>
-              </a:rPr>
-              <a:t>', 'Sue'],</a:t>
-            </a:r>
-          </a:p>
-          <a:p>
-            <a:pPr marL="0" indent="0">
-              <a:buNone/>
-            </a:pPr>
-            <a:r>
-              <a:rPr lang="fr-FR" sz="1600" dirty="0">
-                <a:latin typeface="Courier New" panose="02070309020205020404" pitchFamily="49" charset="0"/>
-                <a:cs typeface="Courier New" panose="02070309020205020404" pitchFamily="49" charset="0"/>
-              </a:rPr>
-              <a:t>                    'date': [2004, 2008, 2012, 2014]})</a:t>
-            </a:r>
-          </a:p>
-          <a:p>
-            <a:pPr marL="0" indent="0">
-              <a:buNone/>
-            </a:pPr>
-            <a:endParaRPr lang="fr-FR" sz="1600" dirty="0">
-              <a:latin typeface="Courier New" panose="02070309020205020404" pitchFamily="49" charset="0"/>
-              <a:cs typeface="Courier New" panose="02070309020205020404" pitchFamily="49" charset="0"/>
-            </a:endParaRPr>
-          </a:p>
-          <a:p>
-            <a:pPr marL="0" indent="0">
-              <a:buNone/>
-            </a:pPr>
-            <a:r>
-              <a:rPr lang="fr-FR" sz="1600" dirty="0">
-                <a:latin typeface="Courier New" panose="02070309020205020404" pitchFamily="49" charset="0"/>
-                <a:cs typeface="Courier New" panose="02070309020205020404" pitchFamily="49" charset="0"/>
-              </a:rPr>
-              <a:t>df3 = </a:t>
-            </a:r>
-            <a:r>
-              <a:rPr lang="fr-FR" sz="1600" dirty="0" err="1">
-                <a:latin typeface="Courier New" panose="02070309020205020404" pitchFamily="49" charset="0"/>
-                <a:cs typeface="Courier New" panose="02070309020205020404" pitchFamily="49" charset="0"/>
-              </a:rPr>
-              <a:t>pd.merge</a:t>
-            </a:r>
-            <a:r>
-              <a:rPr lang="fr-FR" sz="1600" dirty="0">
-                <a:latin typeface="Courier New" panose="02070309020205020404" pitchFamily="49" charset="0"/>
-                <a:cs typeface="Courier New" panose="02070309020205020404" pitchFamily="49" charset="0"/>
-              </a:rPr>
-              <a:t>(df1, df2</a:t>
-            </a:r>
-            <a:r>
-              <a:rPr lang="fr-FR" sz="1600" dirty="0" smtClean="0">
-                <a:latin typeface="Courier New" panose="02070309020205020404" pitchFamily="49" charset="0"/>
-                <a:cs typeface="Courier New" panose="02070309020205020404" pitchFamily="49" charset="0"/>
-              </a:rPr>
-              <a:t>)</a:t>
-            </a:r>
-          </a:p>
-          <a:p>
-            <a:r>
-              <a:rPr lang="fr-FR" dirty="0"/>
-              <a:t>La fonction  </a:t>
-            </a:r>
-            <a:r>
-              <a:rPr lang="fr-FR" dirty="0" err="1"/>
-              <a:t>pd.merge</a:t>
-            </a:r>
-            <a:r>
-              <a:rPr lang="fr-FR" dirty="0"/>
-              <a:t>  a automatiquement reconnu que la colonne </a:t>
-            </a:r>
-            <a:r>
-              <a:rPr lang="fr-FR" dirty="0" err="1"/>
-              <a:t>employee</a:t>
-            </a:r>
-            <a:r>
-              <a:rPr lang="fr-FR" dirty="0"/>
-              <a:t> était commune aux deux </a:t>
-            </a:r>
-            <a:r>
-              <a:rPr lang="fr-FR" dirty="0" err="1"/>
-              <a:t>Dataframe</a:t>
-            </a:r>
-            <a:r>
-              <a:rPr lang="fr-FR" dirty="0"/>
-              <a:t>, et l'a utilisée comme clé de jointure</a:t>
-            </a:r>
-          </a:p>
-        </p:txBody>
-      </p:sp>
-    </p:spTree>
-    <p:extLst>
-      <p:ext uri="{BB962C8B-B14F-4D97-AF65-F5344CB8AC3E}">
-        <p14:creationId xmlns:p14="http://schemas.microsoft.com/office/powerpoint/2010/main" val="939713846"/>
-      </p:ext>
-    </p:extLst>
-  </p:cSld>
-  <p:clrMapOvr>
-    <a:masterClrMapping/>
-  </p:clrMapOvr>
-</p:sld>
-</file>
-
-<file path=ppt/slides/slide9.xml><?xml version="1.0" encoding="utf-8"?>
-<p:sld xmlns:a="http://schemas.openxmlformats.org/drawingml/2006/main" xmlns:r="http://schemas.openxmlformats.org/officeDocument/2006/relationships" xmlns:p="http://schemas.openxmlformats.org/presentationml/2006/main">
-  <p:cSld>
-    <p:spTree>
-      <p:nvGrpSpPr>
-        <p:cNvPr id="1" name=""/>
-        <p:cNvGrpSpPr/>
-        <p:nvPr/>
-      </p:nvGrpSpPr>
-      <p:grpSpPr>
-        <a:xfrm>
-          <a:off x="0" y="0"/>
-          <a:ext cx="0" cy="0"/>
-          <a:chOff x="0" y="0"/>
-          <a:chExt cx="0" cy="0"/>
-        </a:xfrm>
-      </p:grpSpPr>
-      <p:sp>
-        <p:nvSpPr>
-          <p:cNvPr id="2" name="Titre 1"/>
-          <p:cNvSpPr>
-            <a:spLocks noGrp="1"/>
-          </p:cNvSpPr>
-          <p:nvPr>
-            <p:ph type="title"/>
-          </p:nvPr>
-        </p:nvSpPr>
-        <p:spPr/>
-        <p:txBody>
-          <a:bodyPr/>
-          <a:lstStyle/>
-          <a:p>
-            <a:r>
-              <a:rPr lang="fr-FR" dirty="0" smtClean="0"/>
-              <a:t>Jointure ?-n</a:t>
-            </a:r>
-            <a:endParaRPr lang="fr-FR" dirty="0"/>
-          </a:p>
-        </p:txBody>
-      </p:sp>
-      <p:sp>
-        <p:nvSpPr>
-          <p:cNvPr id="3" name="Espace réservé du contenu 2"/>
-          <p:cNvSpPr>
-            <a:spLocks noGrp="1"/>
-          </p:cNvSpPr>
-          <p:nvPr>
-            <p:ph idx="1"/>
-          </p:nvPr>
-        </p:nvSpPr>
-        <p:spPr/>
-        <p:txBody>
-          <a:bodyPr/>
-          <a:lstStyle/>
-          <a:p>
-            <a:r>
-              <a:rPr lang="fr-FR" dirty="0" smtClean="0"/>
-              <a:t>Jointure 1-n</a:t>
-            </a:r>
-          </a:p>
-          <a:p>
-            <a:pPr marL="0" indent="0">
-              <a:buNone/>
-            </a:pPr>
-            <a:r>
-              <a:rPr lang="fr-FR" sz="1600" dirty="0">
-                <a:latin typeface="Courier New" panose="02070309020205020404" pitchFamily="49" charset="0"/>
-                <a:cs typeface="Courier New" panose="02070309020205020404" pitchFamily="49" charset="0"/>
-              </a:rPr>
-              <a:t>df4 = </a:t>
-            </a:r>
-            <a:r>
-              <a:rPr lang="fr-FR" sz="1600" dirty="0" err="1">
-                <a:latin typeface="Courier New" panose="02070309020205020404" pitchFamily="49" charset="0"/>
-                <a:cs typeface="Courier New" panose="02070309020205020404" pitchFamily="49" charset="0"/>
-              </a:rPr>
-              <a:t>pd.DataFrame</a:t>
-            </a:r>
-            <a:r>
-              <a:rPr lang="fr-FR" sz="1600" dirty="0">
-                <a:latin typeface="Courier New" panose="02070309020205020404" pitchFamily="49" charset="0"/>
-                <a:cs typeface="Courier New" panose="02070309020205020404" pitchFamily="49" charset="0"/>
-              </a:rPr>
-              <a:t>({'</a:t>
-            </a:r>
-            <a:r>
-              <a:rPr lang="fr-FR" sz="1600" dirty="0" err="1">
-                <a:latin typeface="Courier New" panose="02070309020205020404" pitchFamily="49" charset="0"/>
-                <a:cs typeface="Courier New" panose="02070309020205020404" pitchFamily="49" charset="0"/>
-              </a:rPr>
-              <a:t>department</a:t>
-            </a:r>
-            <a:r>
-              <a:rPr lang="fr-FR" sz="1600" dirty="0">
-                <a:latin typeface="Courier New" panose="02070309020205020404" pitchFamily="49" charset="0"/>
-                <a:cs typeface="Courier New" panose="02070309020205020404" pitchFamily="49" charset="0"/>
-              </a:rPr>
-              <a:t>': ['</a:t>
-            </a:r>
-            <a:r>
-              <a:rPr lang="fr-FR" sz="1600" dirty="0" err="1">
-                <a:latin typeface="Courier New" panose="02070309020205020404" pitchFamily="49" charset="0"/>
-                <a:cs typeface="Courier New" panose="02070309020205020404" pitchFamily="49" charset="0"/>
-              </a:rPr>
-              <a:t>Accounting</a:t>
-            </a:r>
-            <a:r>
-              <a:rPr lang="fr-FR" sz="1600" dirty="0">
-                <a:latin typeface="Courier New" panose="02070309020205020404" pitchFamily="49" charset="0"/>
-                <a:cs typeface="Courier New" panose="02070309020205020404" pitchFamily="49" charset="0"/>
-              </a:rPr>
-              <a:t>', 'Engineering', 'HR'],</a:t>
-            </a:r>
-          </a:p>
-          <a:p>
-            <a:pPr marL="0" indent="0">
-              <a:buNone/>
-            </a:pPr>
-            <a:r>
-              <a:rPr lang="fr-FR" sz="1600" dirty="0">
-                <a:latin typeface="Courier New" panose="02070309020205020404" pitchFamily="49" charset="0"/>
-                <a:cs typeface="Courier New" panose="02070309020205020404" pitchFamily="49" charset="0"/>
-              </a:rPr>
-              <a:t>                    '</a:t>
-            </a:r>
-            <a:r>
-              <a:rPr lang="fr-FR" sz="1600" dirty="0" err="1">
-                <a:latin typeface="Courier New" panose="02070309020205020404" pitchFamily="49" charset="0"/>
-                <a:cs typeface="Courier New" panose="02070309020205020404" pitchFamily="49" charset="0"/>
-              </a:rPr>
-              <a:t>supervisor</a:t>
-            </a:r>
-            <a:r>
-              <a:rPr lang="fr-FR" sz="1600" dirty="0">
-                <a:latin typeface="Courier New" panose="02070309020205020404" pitchFamily="49" charset="0"/>
-                <a:cs typeface="Courier New" panose="02070309020205020404" pitchFamily="49" charset="0"/>
-              </a:rPr>
-              <a:t>': ['Carly', 'Guido', 'Steve']})</a:t>
-            </a:r>
-          </a:p>
-          <a:p>
-            <a:pPr marL="0" indent="0">
-              <a:buNone/>
-            </a:pPr>
-            <a:r>
-              <a:rPr lang="fr-FR" sz="1600" dirty="0" err="1">
-                <a:latin typeface="Courier New" panose="02070309020205020404" pitchFamily="49" charset="0"/>
-                <a:cs typeface="Courier New" panose="02070309020205020404" pitchFamily="49" charset="0"/>
-              </a:rPr>
-              <a:t>pd.merge</a:t>
-            </a:r>
-            <a:r>
-              <a:rPr lang="fr-FR" sz="1600" dirty="0">
-                <a:latin typeface="Courier New" panose="02070309020205020404" pitchFamily="49" charset="0"/>
-                <a:cs typeface="Courier New" panose="02070309020205020404" pitchFamily="49" charset="0"/>
-              </a:rPr>
-              <a:t>(df3, df4</a:t>
-            </a:r>
-            <a:r>
-              <a:rPr lang="fr-FR" sz="1600" dirty="0" smtClean="0">
-                <a:latin typeface="Courier New" panose="02070309020205020404" pitchFamily="49" charset="0"/>
-                <a:cs typeface="Courier New" panose="02070309020205020404" pitchFamily="49" charset="0"/>
-              </a:rPr>
-              <a:t>)</a:t>
-            </a:r>
-          </a:p>
-          <a:p>
-            <a:endParaRPr lang="fr-FR" dirty="0" smtClean="0"/>
-          </a:p>
-          <a:p>
-            <a:r>
-              <a:rPr lang="fr-FR" dirty="0" smtClean="0"/>
-              <a:t>Jointure n-m</a:t>
-            </a:r>
-          </a:p>
-          <a:p>
-            <a:pPr marL="0" indent="0">
-              <a:buNone/>
-            </a:pPr>
-            <a:r>
-              <a:rPr lang="fr-FR" sz="1400" dirty="0">
-                <a:latin typeface="Courier New" panose="02070309020205020404" pitchFamily="49" charset="0"/>
-                <a:cs typeface="Courier New" panose="02070309020205020404" pitchFamily="49" charset="0"/>
-              </a:rPr>
-              <a:t>df5 = </a:t>
-            </a:r>
-            <a:r>
-              <a:rPr lang="fr-FR" sz="1400" dirty="0" err="1">
-                <a:latin typeface="Courier New" panose="02070309020205020404" pitchFamily="49" charset="0"/>
-                <a:cs typeface="Courier New" panose="02070309020205020404" pitchFamily="49" charset="0"/>
-              </a:rPr>
-              <a:t>pd.DataFrame</a:t>
-            </a:r>
-            <a:r>
-              <a:rPr lang="fr-FR" sz="1400" dirty="0">
-                <a:latin typeface="Courier New" panose="02070309020205020404" pitchFamily="49" charset="0"/>
-                <a:cs typeface="Courier New" panose="02070309020205020404" pitchFamily="49" charset="0"/>
-              </a:rPr>
-              <a:t>({'</a:t>
-            </a:r>
-            <a:r>
-              <a:rPr lang="fr-FR" sz="1400" dirty="0" err="1">
-                <a:latin typeface="Courier New" panose="02070309020205020404" pitchFamily="49" charset="0"/>
-                <a:cs typeface="Courier New" panose="02070309020205020404" pitchFamily="49" charset="0"/>
-              </a:rPr>
-              <a:t>department</a:t>
-            </a:r>
-            <a:r>
-              <a:rPr lang="fr-FR" sz="1400" dirty="0">
-                <a:latin typeface="Courier New" panose="02070309020205020404" pitchFamily="49" charset="0"/>
-                <a:cs typeface="Courier New" panose="02070309020205020404" pitchFamily="49" charset="0"/>
-              </a:rPr>
-              <a:t>': ['</a:t>
-            </a:r>
-            <a:r>
-              <a:rPr lang="fr-FR" sz="1400" dirty="0" err="1">
-                <a:latin typeface="Courier New" panose="02070309020205020404" pitchFamily="49" charset="0"/>
-                <a:cs typeface="Courier New" panose="02070309020205020404" pitchFamily="49" charset="0"/>
-              </a:rPr>
-              <a:t>Accounting</a:t>
-            </a:r>
-            <a:r>
-              <a:rPr lang="fr-FR" sz="1400" dirty="0">
-                <a:latin typeface="Courier New" panose="02070309020205020404" pitchFamily="49" charset="0"/>
-                <a:cs typeface="Courier New" panose="02070309020205020404" pitchFamily="49" charset="0"/>
-              </a:rPr>
-              <a:t>', '</a:t>
-            </a:r>
-            <a:r>
-              <a:rPr lang="fr-FR" sz="1400" dirty="0" err="1">
-                <a:latin typeface="Courier New" panose="02070309020205020404" pitchFamily="49" charset="0"/>
-                <a:cs typeface="Courier New" panose="02070309020205020404" pitchFamily="49" charset="0"/>
-              </a:rPr>
-              <a:t>Accounting</a:t>
-            </a:r>
-            <a:r>
-              <a:rPr lang="fr-FR" sz="1400" dirty="0">
-                <a:latin typeface="Courier New" panose="02070309020205020404" pitchFamily="49" charset="0"/>
-                <a:cs typeface="Courier New" panose="02070309020205020404" pitchFamily="49" charset="0"/>
-              </a:rPr>
-              <a:t>',</a:t>
-            </a:r>
-          </a:p>
-          <a:p>
-            <a:pPr marL="0" indent="0">
-              <a:buNone/>
-            </a:pPr>
-            <a:r>
-              <a:rPr lang="fr-FR" sz="1400" dirty="0">
-                <a:latin typeface="Courier New" panose="02070309020205020404" pitchFamily="49" charset="0"/>
-                <a:cs typeface="Courier New" panose="02070309020205020404" pitchFamily="49" charset="0"/>
-              </a:rPr>
-              <a:t>                              'Engineering', 'Engineering', 'HR', 'HR'],</a:t>
-            </a:r>
-          </a:p>
-          <a:p>
-            <a:pPr marL="0" indent="0">
-              <a:buNone/>
-            </a:pPr>
-            <a:r>
-              <a:rPr lang="fr-FR" sz="1400" dirty="0">
-                <a:latin typeface="Courier New" panose="02070309020205020404" pitchFamily="49" charset="0"/>
-                <a:cs typeface="Courier New" panose="02070309020205020404" pitchFamily="49" charset="0"/>
-              </a:rPr>
-              <a:t>                    '</a:t>
-            </a:r>
-            <a:r>
-              <a:rPr lang="fr-FR" sz="1400" dirty="0" err="1">
-                <a:latin typeface="Courier New" panose="02070309020205020404" pitchFamily="49" charset="0"/>
-                <a:cs typeface="Courier New" panose="02070309020205020404" pitchFamily="49" charset="0"/>
-              </a:rPr>
-              <a:t>competence</a:t>
-            </a:r>
-            <a:r>
-              <a:rPr lang="fr-FR" sz="1400" dirty="0">
-                <a:latin typeface="Courier New" panose="02070309020205020404" pitchFamily="49" charset="0"/>
-                <a:cs typeface="Courier New" panose="02070309020205020404" pitchFamily="49" charset="0"/>
-              </a:rPr>
-              <a:t>': ['math', '</a:t>
-            </a:r>
-            <a:r>
-              <a:rPr lang="fr-FR" sz="1400" dirty="0" err="1">
-                <a:latin typeface="Courier New" panose="02070309020205020404" pitchFamily="49" charset="0"/>
-                <a:cs typeface="Courier New" panose="02070309020205020404" pitchFamily="49" charset="0"/>
-              </a:rPr>
-              <a:t>spreadsheets</a:t>
-            </a:r>
-            <a:r>
-              <a:rPr lang="fr-FR" sz="1400" dirty="0">
-                <a:latin typeface="Courier New" panose="02070309020205020404" pitchFamily="49" charset="0"/>
-                <a:cs typeface="Courier New" panose="02070309020205020404" pitchFamily="49" charset="0"/>
-              </a:rPr>
-              <a:t>', '</a:t>
-            </a:r>
-            <a:r>
-              <a:rPr lang="fr-FR" sz="1400" dirty="0" err="1">
-                <a:latin typeface="Courier New" panose="02070309020205020404" pitchFamily="49" charset="0"/>
-                <a:cs typeface="Courier New" panose="02070309020205020404" pitchFamily="49" charset="0"/>
-              </a:rPr>
-              <a:t>coding</a:t>
-            </a:r>
-            <a:r>
-              <a:rPr lang="fr-FR" sz="1400" dirty="0">
-                <a:latin typeface="Courier New" panose="02070309020205020404" pitchFamily="49" charset="0"/>
-                <a:cs typeface="Courier New" panose="02070309020205020404" pitchFamily="49" charset="0"/>
-              </a:rPr>
-              <a:t>', 'linux',</a:t>
-            </a:r>
-          </a:p>
-          <a:p>
-            <a:pPr marL="0" indent="0">
-              <a:buNone/>
-            </a:pPr>
-            <a:r>
-              <a:rPr lang="fr-FR" sz="1400" dirty="0">
-                <a:latin typeface="Courier New" panose="02070309020205020404" pitchFamily="49" charset="0"/>
-                <a:cs typeface="Courier New" panose="02070309020205020404" pitchFamily="49" charset="0"/>
-              </a:rPr>
-              <a:t>                               '</a:t>
-            </a:r>
-            <a:r>
-              <a:rPr lang="fr-FR" sz="1400" dirty="0" err="1">
-                <a:latin typeface="Courier New" panose="02070309020205020404" pitchFamily="49" charset="0"/>
-                <a:cs typeface="Courier New" panose="02070309020205020404" pitchFamily="49" charset="0"/>
-              </a:rPr>
-              <a:t>spreadsheets</a:t>
-            </a:r>
-            <a:r>
-              <a:rPr lang="fr-FR" sz="1400" dirty="0">
-                <a:latin typeface="Courier New" panose="02070309020205020404" pitchFamily="49" charset="0"/>
-                <a:cs typeface="Courier New" panose="02070309020205020404" pitchFamily="49" charset="0"/>
-              </a:rPr>
-              <a:t>', '</a:t>
-            </a:r>
-            <a:r>
-              <a:rPr lang="fr-FR" sz="1400" dirty="0" err="1">
-                <a:latin typeface="Courier New" panose="02070309020205020404" pitchFamily="49" charset="0"/>
-                <a:cs typeface="Courier New" panose="02070309020205020404" pitchFamily="49" charset="0"/>
-              </a:rPr>
-              <a:t>organization</a:t>
-            </a:r>
-            <a:r>
-              <a:rPr lang="fr-FR" sz="1400" dirty="0">
-                <a:latin typeface="Courier New" panose="02070309020205020404" pitchFamily="49" charset="0"/>
-                <a:cs typeface="Courier New" panose="02070309020205020404" pitchFamily="49" charset="0"/>
-              </a:rPr>
-              <a:t>']})</a:t>
-            </a:r>
-          </a:p>
-        </p:txBody>
-      </p:sp>
-    </p:spTree>
-    <p:extLst>
-      <p:ext uri="{BB962C8B-B14F-4D97-AF65-F5344CB8AC3E}">
-        <p14:creationId xmlns:p14="http://schemas.microsoft.com/office/powerpoint/2010/main" val="1442701751"/>
+        <p14:creationId xmlns:p14="http://schemas.microsoft.com/office/powerpoint/2010/main" val="3332384904"/>
       </p:ext>
     </p:extLst>
   </p:cSld>
